--- a/Präsentation/Sausage Pan.pptx
+++ b/Präsentation/Sausage Pan.pptx
@@ -4,15 +4,20 @@
   <p:sldMasterIdLst>
     <p:sldMasterId id="2147483648" r:id="rId1"/>
   </p:sldMasterIdLst>
+  <p:notesMasterIdLst>
+    <p:notesMasterId r:id="rId12"/>
+  </p:notesMasterIdLst>
   <p:sldIdLst>
     <p:sldId id="256" r:id="rId2"/>
-    <p:sldId id="257" r:id="rId3"/>
-    <p:sldId id="260" r:id="rId4"/>
-    <p:sldId id="258" r:id="rId5"/>
-    <p:sldId id="259" r:id="rId6"/>
-    <p:sldId id="263" r:id="rId7"/>
-    <p:sldId id="261" r:id="rId8"/>
-    <p:sldId id="262" r:id="rId9"/>
+    <p:sldId id="264" r:id="rId3"/>
+    <p:sldId id="257" r:id="rId4"/>
+    <p:sldId id="260" r:id="rId5"/>
+    <p:sldId id="258" r:id="rId6"/>
+    <p:sldId id="265" r:id="rId7"/>
+    <p:sldId id="263" r:id="rId8"/>
+    <p:sldId id="259" r:id="rId9"/>
+    <p:sldId id="261" r:id="rId10"/>
+    <p:sldId id="262" r:id="rId11"/>
   </p:sldIdLst>
   <p:sldSz cx="12192000" cy="6858000"/>
   <p:notesSz cx="6858000" cy="9144000"/>
@@ -117,6 +122,608 @@
     </p:ext>
   </p:extLst>
 </p:presentation>
+</file>
+
+<file path=ppt/notesMasters/notesMaster1.xml><?xml version="1.0" encoding="utf-8"?>
+<p:notesMaster xmlns:a="http://schemas.openxmlformats.org/drawingml/2006/main" xmlns:r="http://schemas.openxmlformats.org/officeDocument/2006/relationships" xmlns:p="http://schemas.openxmlformats.org/presentationml/2006/main">
+  <p:cSld>
+    <p:bg>
+      <p:bgRef idx="1001">
+        <a:schemeClr val="bg1"/>
+      </p:bgRef>
+    </p:bg>
+    <p:spTree>
+      <p:nvGrpSpPr>
+        <p:cNvPr id="1" name=""/>
+        <p:cNvGrpSpPr/>
+        <p:nvPr/>
+      </p:nvGrpSpPr>
+      <p:grpSpPr>
+        <a:xfrm>
+          <a:off x="0" y="0"/>
+          <a:ext cx="0" cy="0"/>
+          <a:chOff x="0" y="0"/>
+          <a:chExt cx="0" cy="0"/>
+        </a:xfrm>
+      </p:grpSpPr>
+      <p:sp>
+        <p:nvSpPr>
+          <p:cNvPr id="2" name="Kopfzeilenplatzhalter 1"/>
+          <p:cNvSpPr>
+            <a:spLocks noGrp="1"/>
+          </p:cNvSpPr>
+          <p:nvPr>
+            <p:ph type="hdr" sz="quarter"/>
+          </p:nvPr>
+        </p:nvSpPr>
+        <p:spPr>
+          <a:xfrm>
+            <a:off x="0" y="0"/>
+            <a:ext cx="2971800" cy="458788"/>
+          </a:xfrm>
+          <a:prstGeom prst="rect">
+            <a:avLst/>
+          </a:prstGeom>
+        </p:spPr>
+        <p:txBody>
+          <a:bodyPr vert="horz" lIns="91440" tIns="45720" rIns="91440" bIns="45720" rtlCol="0"/>
+          <a:lstStyle>
+            <a:lvl1pPr algn="l">
+              <a:defRPr sz="1200"/>
+            </a:lvl1pPr>
+          </a:lstStyle>
+          <a:p>
+            <a:endParaRPr lang="de-DE"/>
+          </a:p>
+        </p:txBody>
+      </p:sp>
+      <p:sp>
+        <p:nvSpPr>
+          <p:cNvPr id="3" name="Datumsplatzhalter 2"/>
+          <p:cNvSpPr>
+            <a:spLocks noGrp="1"/>
+          </p:cNvSpPr>
+          <p:nvPr>
+            <p:ph type="dt" idx="1"/>
+          </p:nvPr>
+        </p:nvSpPr>
+        <p:spPr>
+          <a:xfrm>
+            <a:off x="3884613" y="0"/>
+            <a:ext cx="2971800" cy="458788"/>
+          </a:xfrm>
+          <a:prstGeom prst="rect">
+            <a:avLst/>
+          </a:prstGeom>
+        </p:spPr>
+        <p:txBody>
+          <a:bodyPr vert="horz" lIns="91440" tIns="45720" rIns="91440" bIns="45720" rtlCol="0"/>
+          <a:lstStyle>
+            <a:lvl1pPr algn="r">
+              <a:defRPr sz="1200"/>
+            </a:lvl1pPr>
+          </a:lstStyle>
+          <a:p>
+            <a:fld id="{B936558A-B207-4F8C-A8BA-D72BE24D18E1}" type="datetimeFigureOut">
+              <a:rPr lang="de-DE" smtClean="0"/>
+              <a:t>18.07.2015</a:t>
+            </a:fld>
+            <a:endParaRPr lang="de-DE"/>
+          </a:p>
+        </p:txBody>
+      </p:sp>
+      <p:sp>
+        <p:nvSpPr>
+          <p:cNvPr id="4" name="Folienbildplatzhalter 3"/>
+          <p:cNvSpPr>
+            <a:spLocks noGrp="1" noRot="1" noChangeAspect="1"/>
+          </p:cNvSpPr>
+          <p:nvPr>
+            <p:ph type="sldImg" idx="2"/>
+          </p:nvPr>
+        </p:nvSpPr>
+        <p:spPr>
+          <a:xfrm>
+            <a:off x="685800" y="1143000"/>
+            <a:ext cx="5486400" cy="3086100"/>
+          </a:xfrm>
+          <a:prstGeom prst="rect">
+            <a:avLst/>
+          </a:prstGeom>
+          <a:noFill/>
+          <a:ln w="12700">
+            <a:solidFill>
+              <a:prstClr val="black"/>
+            </a:solidFill>
+          </a:ln>
+        </p:spPr>
+        <p:txBody>
+          <a:bodyPr vert="horz" lIns="91440" tIns="45720" rIns="91440" bIns="45720" rtlCol="0" anchor="ctr"/>
+          <a:lstStyle/>
+          <a:p>
+            <a:endParaRPr lang="de-DE"/>
+          </a:p>
+        </p:txBody>
+      </p:sp>
+      <p:sp>
+        <p:nvSpPr>
+          <p:cNvPr id="5" name="Notizenplatzhalter 4"/>
+          <p:cNvSpPr>
+            <a:spLocks noGrp="1"/>
+          </p:cNvSpPr>
+          <p:nvPr>
+            <p:ph type="body" sz="quarter" idx="3"/>
+          </p:nvPr>
+        </p:nvSpPr>
+        <p:spPr>
+          <a:xfrm>
+            <a:off x="685800" y="4400550"/>
+            <a:ext cx="5486400" cy="3600450"/>
+          </a:xfrm>
+          <a:prstGeom prst="rect">
+            <a:avLst/>
+          </a:prstGeom>
+        </p:spPr>
+        <p:txBody>
+          <a:bodyPr vert="horz" lIns="91440" tIns="45720" rIns="91440" bIns="45720" rtlCol="0"/>
+          <a:lstStyle/>
+          <a:p>
+            <a:pPr lvl="0"/>
+            <a:r>
+              <a:rPr lang="de-DE" smtClean="0"/>
+              <a:t>Textmasterformat bearbeiten</a:t>
+            </a:r>
+          </a:p>
+          <a:p>
+            <a:pPr lvl="1"/>
+            <a:r>
+              <a:rPr lang="de-DE" smtClean="0"/>
+              <a:t>Zweite Ebene</a:t>
+            </a:r>
+          </a:p>
+          <a:p>
+            <a:pPr lvl="2"/>
+            <a:r>
+              <a:rPr lang="de-DE" smtClean="0"/>
+              <a:t>Dritte Ebene</a:t>
+            </a:r>
+          </a:p>
+          <a:p>
+            <a:pPr lvl="3"/>
+            <a:r>
+              <a:rPr lang="de-DE" smtClean="0"/>
+              <a:t>Vierte Ebene</a:t>
+            </a:r>
+          </a:p>
+          <a:p>
+            <a:pPr lvl="4"/>
+            <a:r>
+              <a:rPr lang="de-DE" smtClean="0"/>
+              <a:t>Fünfte Ebene</a:t>
+            </a:r>
+            <a:endParaRPr lang="de-DE"/>
+          </a:p>
+        </p:txBody>
+      </p:sp>
+      <p:sp>
+        <p:nvSpPr>
+          <p:cNvPr id="6" name="Fußzeilenplatzhalter 5"/>
+          <p:cNvSpPr>
+            <a:spLocks noGrp="1"/>
+          </p:cNvSpPr>
+          <p:nvPr>
+            <p:ph type="ftr" sz="quarter" idx="4"/>
+          </p:nvPr>
+        </p:nvSpPr>
+        <p:spPr>
+          <a:xfrm>
+            <a:off x="0" y="8685213"/>
+            <a:ext cx="2971800" cy="458787"/>
+          </a:xfrm>
+          <a:prstGeom prst="rect">
+            <a:avLst/>
+          </a:prstGeom>
+        </p:spPr>
+        <p:txBody>
+          <a:bodyPr vert="horz" lIns="91440" tIns="45720" rIns="91440" bIns="45720" rtlCol="0" anchor="b"/>
+          <a:lstStyle>
+            <a:lvl1pPr algn="l">
+              <a:defRPr sz="1200"/>
+            </a:lvl1pPr>
+          </a:lstStyle>
+          <a:p>
+            <a:endParaRPr lang="de-DE"/>
+          </a:p>
+        </p:txBody>
+      </p:sp>
+      <p:sp>
+        <p:nvSpPr>
+          <p:cNvPr id="7" name="Foliennummernplatzhalter 6"/>
+          <p:cNvSpPr>
+            <a:spLocks noGrp="1"/>
+          </p:cNvSpPr>
+          <p:nvPr>
+            <p:ph type="sldNum" sz="quarter" idx="5"/>
+          </p:nvPr>
+        </p:nvSpPr>
+        <p:spPr>
+          <a:xfrm>
+            <a:off x="3884613" y="8685213"/>
+            <a:ext cx="2971800" cy="458787"/>
+          </a:xfrm>
+          <a:prstGeom prst="rect">
+            <a:avLst/>
+          </a:prstGeom>
+        </p:spPr>
+        <p:txBody>
+          <a:bodyPr vert="horz" lIns="91440" tIns="45720" rIns="91440" bIns="45720" rtlCol="0" anchor="b"/>
+          <a:lstStyle>
+            <a:lvl1pPr algn="r">
+              <a:defRPr sz="1200"/>
+            </a:lvl1pPr>
+          </a:lstStyle>
+          <a:p>
+            <a:fld id="{C659BA4E-B9F3-4673-A312-47BCD946A370}" type="slidenum">
+              <a:rPr lang="de-DE" smtClean="0"/>
+              <a:t>‹Nr.›</a:t>
+            </a:fld>
+            <a:endParaRPr lang="de-DE"/>
+          </a:p>
+        </p:txBody>
+      </p:sp>
+    </p:spTree>
+    <p:extLst>
+      <p:ext uri="{BB962C8B-B14F-4D97-AF65-F5344CB8AC3E}">
+        <p14:creationId xmlns:p14="http://schemas.microsoft.com/office/powerpoint/2010/main" val="3610313672"/>
+      </p:ext>
+    </p:extLst>
+  </p:cSld>
+  <p:clrMap bg1="lt1" tx1="dk1" bg2="lt2" tx2="dk2" accent1="accent1" accent2="accent2" accent3="accent3" accent4="accent4" accent5="accent5" accent6="accent6" hlink="hlink" folHlink="folHlink"/>
+  <p:notesStyle>
+    <a:lvl1pPr marL="0" algn="l" defTabSz="914400" rtl="0" eaLnBrk="1" latinLnBrk="0" hangingPunct="1">
+      <a:defRPr sz="1200" kern="1200">
+        <a:solidFill>
+          <a:schemeClr val="tx1"/>
+        </a:solidFill>
+        <a:latin typeface="+mn-lt"/>
+        <a:ea typeface="+mn-ea"/>
+        <a:cs typeface="+mn-cs"/>
+      </a:defRPr>
+    </a:lvl1pPr>
+    <a:lvl2pPr marL="457200" algn="l" defTabSz="914400" rtl="0" eaLnBrk="1" latinLnBrk="0" hangingPunct="1">
+      <a:defRPr sz="1200" kern="1200">
+        <a:solidFill>
+          <a:schemeClr val="tx1"/>
+        </a:solidFill>
+        <a:latin typeface="+mn-lt"/>
+        <a:ea typeface="+mn-ea"/>
+        <a:cs typeface="+mn-cs"/>
+      </a:defRPr>
+    </a:lvl2pPr>
+    <a:lvl3pPr marL="914400" algn="l" defTabSz="914400" rtl="0" eaLnBrk="1" latinLnBrk="0" hangingPunct="1">
+      <a:defRPr sz="1200" kern="1200">
+        <a:solidFill>
+          <a:schemeClr val="tx1"/>
+        </a:solidFill>
+        <a:latin typeface="+mn-lt"/>
+        <a:ea typeface="+mn-ea"/>
+        <a:cs typeface="+mn-cs"/>
+      </a:defRPr>
+    </a:lvl3pPr>
+    <a:lvl4pPr marL="1371600" algn="l" defTabSz="914400" rtl="0" eaLnBrk="1" latinLnBrk="0" hangingPunct="1">
+      <a:defRPr sz="1200" kern="1200">
+        <a:solidFill>
+          <a:schemeClr val="tx1"/>
+        </a:solidFill>
+        <a:latin typeface="+mn-lt"/>
+        <a:ea typeface="+mn-ea"/>
+        <a:cs typeface="+mn-cs"/>
+      </a:defRPr>
+    </a:lvl4pPr>
+    <a:lvl5pPr marL="1828800" algn="l" defTabSz="914400" rtl="0" eaLnBrk="1" latinLnBrk="0" hangingPunct="1">
+      <a:defRPr sz="1200" kern="1200">
+        <a:solidFill>
+          <a:schemeClr val="tx1"/>
+        </a:solidFill>
+        <a:latin typeface="+mn-lt"/>
+        <a:ea typeface="+mn-ea"/>
+        <a:cs typeface="+mn-cs"/>
+      </a:defRPr>
+    </a:lvl5pPr>
+    <a:lvl6pPr marL="2286000" algn="l" defTabSz="914400" rtl="0" eaLnBrk="1" latinLnBrk="0" hangingPunct="1">
+      <a:defRPr sz="1200" kern="1200">
+        <a:solidFill>
+          <a:schemeClr val="tx1"/>
+        </a:solidFill>
+        <a:latin typeface="+mn-lt"/>
+        <a:ea typeface="+mn-ea"/>
+        <a:cs typeface="+mn-cs"/>
+      </a:defRPr>
+    </a:lvl6pPr>
+    <a:lvl7pPr marL="2743200" algn="l" defTabSz="914400" rtl="0" eaLnBrk="1" latinLnBrk="0" hangingPunct="1">
+      <a:defRPr sz="1200" kern="1200">
+        <a:solidFill>
+          <a:schemeClr val="tx1"/>
+        </a:solidFill>
+        <a:latin typeface="+mn-lt"/>
+        <a:ea typeface="+mn-ea"/>
+        <a:cs typeface="+mn-cs"/>
+      </a:defRPr>
+    </a:lvl7pPr>
+    <a:lvl8pPr marL="3200400" algn="l" defTabSz="914400" rtl="0" eaLnBrk="1" latinLnBrk="0" hangingPunct="1">
+      <a:defRPr sz="1200" kern="1200">
+        <a:solidFill>
+          <a:schemeClr val="tx1"/>
+        </a:solidFill>
+        <a:latin typeface="+mn-lt"/>
+        <a:ea typeface="+mn-ea"/>
+        <a:cs typeface="+mn-cs"/>
+      </a:defRPr>
+    </a:lvl8pPr>
+    <a:lvl9pPr marL="3657600" algn="l" defTabSz="914400" rtl="0" eaLnBrk="1" latinLnBrk="0" hangingPunct="1">
+      <a:defRPr sz="1200" kern="1200">
+        <a:solidFill>
+          <a:schemeClr val="tx1"/>
+        </a:solidFill>
+        <a:latin typeface="+mn-lt"/>
+        <a:ea typeface="+mn-ea"/>
+        <a:cs typeface="+mn-cs"/>
+      </a:defRPr>
+    </a:lvl9pPr>
+  </p:notesStyle>
+</p:notesMaster>
+</file>
+
+<file path=ppt/notesSlides/notesSlide1.xml><?xml version="1.0" encoding="utf-8"?>
+<p:notes xmlns:a="http://schemas.openxmlformats.org/drawingml/2006/main" xmlns:r="http://schemas.openxmlformats.org/officeDocument/2006/relationships" xmlns:p="http://schemas.openxmlformats.org/presentationml/2006/main">
+  <p:cSld>
+    <p:spTree>
+      <p:nvGrpSpPr>
+        <p:cNvPr id="1" name=""/>
+        <p:cNvGrpSpPr/>
+        <p:nvPr/>
+      </p:nvGrpSpPr>
+      <p:grpSpPr>
+        <a:xfrm>
+          <a:off x="0" y="0"/>
+          <a:ext cx="0" cy="0"/>
+          <a:chOff x="0" y="0"/>
+          <a:chExt cx="0" cy="0"/>
+        </a:xfrm>
+      </p:grpSpPr>
+      <p:sp>
+        <p:nvSpPr>
+          <p:cNvPr id="2" name="Folienbildplatzhalter 1"/>
+          <p:cNvSpPr>
+            <a:spLocks noGrp="1" noRot="1" noChangeAspect="1"/>
+          </p:cNvSpPr>
+          <p:nvPr>
+            <p:ph type="sldImg"/>
+          </p:nvPr>
+        </p:nvSpPr>
+        <p:spPr/>
+      </p:sp>
+      <p:sp>
+        <p:nvSpPr>
+          <p:cNvPr id="3" name="Notizenplatzhalter 2"/>
+          <p:cNvSpPr>
+            <a:spLocks noGrp="1"/>
+          </p:cNvSpPr>
+          <p:nvPr>
+            <p:ph type="body" idx="1"/>
+          </p:nvPr>
+        </p:nvSpPr>
+        <p:spPr/>
+        <p:txBody>
+          <a:bodyPr/>
+          <a:lstStyle/>
+          <a:p>
+            <a:endParaRPr lang="de-DE"/>
+          </a:p>
+        </p:txBody>
+      </p:sp>
+      <p:sp>
+        <p:nvSpPr>
+          <p:cNvPr id="4" name="Foliennummernplatzhalter 3"/>
+          <p:cNvSpPr>
+            <a:spLocks noGrp="1"/>
+          </p:cNvSpPr>
+          <p:nvPr>
+            <p:ph type="sldNum" sz="quarter" idx="10"/>
+          </p:nvPr>
+        </p:nvSpPr>
+        <p:spPr/>
+        <p:txBody>
+          <a:bodyPr/>
+          <a:lstStyle/>
+          <a:p>
+            <a:fld id="{C659BA4E-B9F3-4673-A312-47BCD946A370}" type="slidenum">
+              <a:rPr lang="de-DE" smtClean="0"/>
+              <a:t>1</a:t>
+            </a:fld>
+            <a:endParaRPr lang="de-DE"/>
+          </a:p>
+        </p:txBody>
+      </p:sp>
+    </p:spTree>
+    <p:extLst>
+      <p:ext uri="{BB962C8B-B14F-4D97-AF65-F5344CB8AC3E}">
+        <p14:creationId xmlns:p14="http://schemas.microsoft.com/office/powerpoint/2010/main" val="2824024391"/>
+      </p:ext>
+    </p:extLst>
+  </p:cSld>
+  <p:clrMapOvr>
+    <a:masterClrMapping/>
+  </p:clrMapOvr>
+</p:notes>
+</file>
+
+<file path=ppt/notesSlides/notesSlide2.xml><?xml version="1.0" encoding="utf-8"?>
+<p:notes xmlns:a="http://schemas.openxmlformats.org/drawingml/2006/main" xmlns:r="http://schemas.openxmlformats.org/officeDocument/2006/relationships" xmlns:p="http://schemas.openxmlformats.org/presentationml/2006/main">
+  <p:cSld>
+    <p:spTree>
+      <p:nvGrpSpPr>
+        <p:cNvPr id="1" name=""/>
+        <p:cNvGrpSpPr/>
+        <p:nvPr/>
+      </p:nvGrpSpPr>
+      <p:grpSpPr>
+        <a:xfrm>
+          <a:off x="0" y="0"/>
+          <a:ext cx="0" cy="0"/>
+          <a:chOff x="0" y="0"/>
+          <a:chExt cx="0" cy="0"/>
+        </a:xfrm>
+      </p:grpSpPr>
+      <p:sp>
+        <p:nvSpPr>
+          <p:cNvPr id="2" name="Folienbildplatzhalter 1"/>
+          <p:cNvSpPr>
+            <a:spLocks noGrp="1" noRot="1" noChangeAspect="1"/>
+          </p:cNvSpPr>
+          <p:nvPr>
+            <p:ph type="sldImg"/>
+          </p:nvPr>
+        </p:nvSpPr>
+        <p:spPr/>
+      </p:sp>
+      <p:sp>
+        <p:nvSpPr>
+          <p:cNvPr id="3" name="Notizenplatzhalter 2"/>
+          <p:cNvSpPr>
+            <a:spLocks noGrp="1"/>
+          </p:cNvSpPr>
+          <p:nvPr>
+            <p:ph type="body" idx="1"/>
+          </p:nvPr>
+        </p:nvSpPr>
+        <p:spPr/>
+        <p:txBody>
+          <a:bodyPr/>
+          <a:lstStyle/>
+          <a:p>
+            <a:endParaRPr lang="de-DE"/>
+          </a:p>
+        </p:txBody>
+      </p:sp>
+      <p:sp>
+        <p:nvSpPr>
+          <p:cNvPr id="4" name="Foliennummernplatzhalter 3"/>
+          <p:cNvSpPr>
+            <a:spLocks noGrp="1"/>
+          </p:cNvSpPr>
+          <p:nvPr>
+            <p:ph type="sldNum" sz="quarter" idx="10"/>
+          </p:nvPr>
+        </p:nvSpPr>
+        <p:spPr/>
+        <p:txBody>
+          <a:bodyPr/>
+          <a:lstStyle/>
+          <a:p>
+            <a:fld id="{C659BA4E-B9F3-4673-A312-47BCD946A370}" type="slidenum">
+              <a:rPr lang="de-DE" smtClean="0"/>
+              <a:t>3</a:t>
+            </a:fld>
+            <a:endParaRPr lang="de-DE"/>
+          </a:p>
+        </p:txBody>
+      </p:sp>
+    </p:spTree>
+    <p:extLst>
+      <p:ext uri="{BB962C8B-B14F-4D97-AF65-F5344CB8AC3E}">
+        <p14:creationId xmlns:p14="http://schemas.microsoft.com/office/powerpoint/2010/main" val="3885670389"/>
+      </p:ext>
+    </p:extLst>
+  </p:cSld>
+  <p:clrMapOvr>
+    <a:masterClrMapping/>
+  </p:clrMapOvr>
+</p:notes>
+</file>
+
+<file path=ppt/notesSlides/notesSlide3.xml><?xml version="1.0" encoding="utf-8"?>
+<p:notes xmlns:a="http://schemas.openxmlformats.org/drawingml/2006/main" xmlns:r="http://schemas.openxmlformats.org/officeDocument/2006/relationships" xmlns:p="http://schemas.openxmlformats.org/presentationml/2006/main">
+  <p:cSld>
+    <p:spTree>
+      <p:nvGrpSpPr>
+        <p:cNvPr id="1" name=""/>
+        <p:cNvGrpSpPr/>
+        <p:nvPr/>
+      </p:nvGrpSpPr>
+      <p:grpSpPr>
+        <a:xfrm>
+          <a:off x="0" y="0"/>
+          <a:ext cx="0" cy="0"/>
+          <a:chOff x="0" y="0"/>
+          <a:chExt cx="0" cy="0"/>
+        </a:xfrm>
+      </p:grpSpPr>
+      <p:sp>
+        <p:nvSpPr>
+          <p:cNvPr id="2" name="Folienbildplatzhalter 1"/>
+          <p:cNvSpPr>
+            <a:spLocks noGrp="1" noRot="1" noChangeAspect="1"/>
+          </p:cNvSpPr>
+          <p:nvPr>
+            <p:ph type="sldImg"/>
+          </p:nvPr>
+        </p:nvSpPr>
+        <p:spPr/>
+      </p:sp>
+      <p:sp>
+        <p:nvSpPr>
+          <p:cNvPr id="3" name="Notizenplatzhalter 2"/>
+          <p:cNvSpPr>
+            <a:spLocks noGrp="1"/>
+          </p:cNvSpPr>
+          <p:nvPr>
+            <p:ph type="body" idx="1"/>
+          </p:nvPr>
+        </p:nvSpPr>
+        <p:spPr/>
+        <p:txBody>
+          <a:bodyPr/>
+          <a:lstStyle/>
+          <a:p>
+            <a:endParaRPr lang="de-DE"/>
+          </a:p>
+        </p:txBody>
+      </p:sp>
+      <p:sp>
+        <p:nvSpPr>
+          <p:cNvPr id="4" name="Foliennummernplatzhalter 3"/>
+          <p:cNvSpPr>
+            <a:spLocks noGrp="1"/>
+          </p:cNvSpPr>
+          <p:nvPr>
+            <p:ph type="sldNum" sz="quarter" idx="10"/>
+          </p:nvPr>
+        </p:nvSpPr>
+        <p:spPr/>
+        <p:txBody>
+          <a:bodyPr/>
+          <a:lstStyle/>
+          <a:p>
+            <a:fld id="{C659BA4E-B9F3-4673-A312-47BCD946A370}" type="slidenum">
+              <a:rPr lang="de-DE" smtClean="0"/>
+              <a:t>4</a:t>
+            </a:fld>
+            <a:endParaRPr lang="de-DE"/>
+          </a:p>
+        </p:txBody>
+      </p:sp>
+    </p:spTree>
+    <p:extLst>
+      <p:ext uri="{BB962C8B-B14F-4D97-AF65-F5344CB8AC3E}">
+        <p14:creationId xmlns:p14="http://schemas.microsoft.com/office/powerpoint/2010/main" val="2885339430"/>
+      </p:ext>
+    </p:extLst>
+  </p:cSld>
+  <p:clrMapOvr>
+    <a:masterClrMapping/>
+  </p:clrMapOvr>
+</p:notes>
 </file>
 
 <file path=ppt/slideLayouts/slideLayout1.xml><?xml version="1.0" encoding="utf-8"?>
@@ -839,10 +1446,9 @@
           <a:bodyPr/>
           <a:lstStyle/>
           <a:p>
-            <a:fld id="{B61BEF0D-F0BB-DE4B-95CE-6DB70DBA9567}" type="datetimeFigureOut">
-              <a:rPr lang="en-US" dirty="0"/>
-              <a:pPr/>
-              <a:t>7/17/2015</a:t>
+            <a:fld id="{31FCEFEB-A8A1-4DD7-AB3E-4BCF962650F0}" type="datetime1">
+              <a:rPr lang="de-DE" smtClean="0"/>
+              <a:t>18.07.2015</a:t>
             </a:fld>
             <a:endParaRPr lang="en-US" dirty="0"/>
           </a:p>
@@ -863,6 +1469,10 @@
           <a:bodyPr/>
           <a:lstStyle/>
           <a:p>
+            <a:r>
+              <a:rPr lang="de-DE" smtClean="0"/>
+              <a:t>Medida 2015 - Gruppe 12 - Sausage Pan - Endpräsentation</a:t>
+            </a:r>
             <a:endParaRPr lang="en-US" dirty="0"/>
           </a:p>
         </p:txBody>
@@ -1087,10 +1697,9 @@
           <a:bodyPr/>
           <a:lstStyle/>
           <a:p>
-            <a:fld id="{B61BEF0D-F0BB-DE4B-95CE-6DB70DBA9567}" type="datetimeFigureOut">
-              <a:rPr lang="en-US" dirty="0"/>
-              <a:pPr/>
-              <a:t>7/17/2015</a:t>
+            <a:fld id="{CB7A0BE1-84B9-4C34-A6F7-3A2AC7BD2B06}" type="datetime1">
+              <a:rPr lang="de-DE" smtClean="0"/>
+              <a:t>18.07.2015</a:t>
             </a:fld>
             <a:endParaRPr lang="en-US" dirty="0"/>
           </a:p>
@@ -1111,6 +1720,10 @@
           <a:bodyPr/>
           <a:lstStyle/>
           <a:p>
+            <a:r>
+              <a:rPr lang="de-DE" smtClean="0"/>
+              <a:t>Medida 2015 - Gruppe 12 - Sausage Pan - Endpräsentation</a:t>
+            </a:r>
             <a:endParaRPr lang="en-US" dirty="0"/>
           </a:p>
         </p:txBody>
@@ -1398,10 +2011,9 @@
           <a:bodyPr/>
           <a:lstStyle/>
           <a:p>
-            <a:fld id="{B61BEF0D-F0BB-DE4B-95CE-6DB70DBA9567}" type="datetimeFigureOut">
-              <a:rPr lang="en-US" dirty="0"/>
-              <a:pPr/>
-              <a:t>7/17/2015</a:t>
+            <a:fld id="{7A190281-2F4F-4842-AAAA-FB83391B941E}" type="datetime1">
+              <a:rPr lang="de-DE" smtClean="0"/>
+              <a:t>18.07.2015</a:t>
             </a:fld>
             <a:endParaRPr lang="en-US" dirty="0"/>
           </a:p>
@@ -1422,6 +2034,10 @@
           <a:bodyPr/>
           <a:lstStyle/>
           <a:p>
+            <a:r>
+              <a:rPr lang="de-DE" smtClean="0"/>
+              <a:t>Medida 2015 - Gruppe 12 - Sausage Pan - Endpräsentation</a:t>
+            </a:r>
             <a:endParaRPr lang="en-US" dirty="0"/>
           </a:p>
         </p:txBody>
@@ -1736,10 +2352,9 @@
           <a:bodyPr/>
           <a:lstStyle/>
           <a:p>
-            <a:fld id="{B61BEF0D-F0BB-DE4B-95CE-6DB70DBA9567}" type="datetimeFigureOut">
-              <a:rPr lang="en-US" dirty="0"/>
-              <a:pPr/>
-              <a:t>7/17/2015</a:t>
+            <a:fld id="{2CCE1BDA-B7F4-4282-B0A2-353042DA85F2}" type="datetime1">
+              <a:rPr lang="de-DE" smtClean="0"/>
+              <a:t>18.07.2015</a:t>
             </a:fld>
             <a:endParaRPr lang="en-US" dirty="0"/>
           </a:p>
@@ -1760,6 +2375,10 @@
           <a:bodyPr/>
           <a:lstStyle/>
           <a:p>
+            <a:r>
+              <a:rPr lang="de-DE" smtClean="0"/>
+              <a:t>Medida 2015 - Gruppe 12 - Sausage Pan - Endpräsentation</a:t>
+            </a:r>
             <a:endParaRPr lang="en-US" dirty="0"/>
           </a:p>
         </p:txBody>
@@ -2047,10 +2666,9 @@
           <a:bodyPr/>
           <a:lstStyle/>
           <a:p>
-            <a:fld id="{B61BEF0D-F0BB-DE4B-95CE-6DB70DBA9567}" type="datetimeFigureOut">
-              <a:rPr lang="en-US" dirty="0"/>
-              <a:pPr/>
-              <a:t>7/17/2015</a:t>
+            <a:fld id="{371917A4-1333-4394-8A14-1615CAB3D4C3}" type="datetime1">
+              <a:rPr lang="de-DE" smtClean="0"/>
+              <a:t>18.07.2015</a:t>
             </a:fld>
             <a:endParaRPr lang="en-US" dirty="0"/>
           </a:p>
@@ -2071,6 +2689,10 @@
           <a:bodyPr/>
           <a:lstStyle/>
           <a:p>
+            <a:r>
+              <a:rPr lang="de-DE" smtClean="0"/>
+              <a:t>Medida 2015 - Gruppe 12 - Sausage Pan - Endpräsentation</a:t>
+            </a:r>
             <a:endParaRPr lang="en-US" dirty="0"/>
           </a:p>
         </p:txBody>
@@ -2437,10 +3059,9 @@
           <a:bodyPr/>
           <a:lstStyle/>
           <a:p>
-            <a:fld id="{B61BEF0D-F0BB-DE4B-95CE-6DB70DBA9567}" type="datetimeFigureOut">
-              <a:rPr lang="en-US" dirty="0"/>
-              <a:pPr/>
-              <a:t>7/17/2015</a:t>
+            <a:fld id="{5334ACE5-ADD5-4372-A2FC-1957F4B67D62}" type="datetime1">
+              <a:rPr lang="de-DE" smtClean="0"/>
+              <a:t>18.07.2015</a:t>
             </a:fld>
             <a:endParaRPr lang="en-US" dirty="0"/>
           </a:p>
@@ -2461,6 +3082,10 @@
           <a:bodyPr/>
           <a:lstStyle/>
           <a:p>
+            <a:r>
+              <a:rPr lang="de-DE" smtClean="0"/>
+              <a:t>Medida 2015 - Gruppe 12 - Sausage Pan - Endpräsentation</a:t>
+            </a:r>
             <a:endParaRPr lang="en-US" dirty="0"/>
           </a:p>
         </p:txBody>
@@ -2604,9 +3229,9 @@
           <a:bodyPr/>
           <a:lstStyle/>
           <a:p>
-            <a:fld id="{55C6B4A9-1611-4792-9094-5F34BCA07E0B}" type="datetimeFigureOut">
-              <a:rPr lang="en-US" dirty="0"/>
-              <a:t>7/17/2015</a:t>
+            <a:fld id="{E73499A9-46CB-4120-8E7C-D054C042CA63}" type="datetime1">
+              <a:rPr lang="de-DE" smtClean="0"/>
+              <a:t>18.07.2015</a:t>
             </a:fld>
             <a:endParaRPr lang="en-US" dirty="0"/>
           </a:p>
@@ -2627,6 +3252,10 @@
           <a:bodyPr/>
           <a:lstStyle/>
           <a:p>
+            <a:r>
+              <a:rPr lang="de-DE" smtClean="0"/>
+              <a:t>Medida 2015 - Gruppe 12 - Sausage Pan - Endpräsentation</a:t>
+            </a:r>
             <a:endParaRPr lang="en-US" dirty="0"/>
           </a:p>
         </p:txBody>
@@ -2779,10 +3408,9 @@
           <a:bodyPr/>
           <a:lstStyle/>
           <a:p>
-            <a:fld id="{B61BEF0D-F0BB-DE4B-95CE-6DB70DBA9567}" type="datetimeFigureOut">
-              <a:rPr lang="en-US" dirty="0"/>
-              <a:pPr/>
-              <a:t>7/17/2015</a:t>
+            <a:fld id="{6BE994CF-CACA-43D9-9E60-CF82976F67DC}" type="datetime1">
+              <a:rPr lang="de-DE" smtClean="0"/>
+              <a:t>18.07.2015</a:t>
             </a:fld>
             <a:endParaRPr lang="en-US" dirty="0"/>
           </a:p>
@@ -2803,6 +3431,10 @@
           <a:bodyPr/>
           <a:lstStyle/>
           <a:p>
+            <a:r>
+              <a:rPr lang="de-DE" smtClean="0"/>
+              <a:t>Medida 2015 - Gruppe 12 - Sausage Pan - Endpräsentation</a:t>
+            </a:r>
             <a:endParaRPr lang="en-US" dirty="0"/>
           </a:p>
         </p:txBody>
@@ -2952,10 +3584,9 @@
           <a:bodyPr/>
           <a:lstStyle/>
           <a:p>
-            <a:fld id="{B61BEF0D-F0BB-DE4B-95CE-6DB70DBA9567}" type="datetimeFigureOut">
-              <a:rPr lang="en-US" dirty="0"/>
-              <a:pPr/>
-              <a:t>7/17/2015</a:t>
+            <a:fld id="{E99BDA1E-7374-4683-8C3C-9B4D7F38B087}" type="datetime1">
+              <a:rPr lang="de-DE" smtClean="0"/>
+              <a:t>18.07.2015</a:t>
             </a:fld>
             <a:endParaRPr lang="en-US" dirty="0"/>
           </a:p>
@@ -2976,6 +3607,10 @@
           <a:bodyPr/>
           <a:lstStyle/>
           <a:p>
+            <a:r>
+              <a:rPr lang="de-DE" smtClean="0"/>
+              <a:t>Medida 2015 - Gruppe 12 - Sausage Pan - Endpräsentation</a:t>
+            </a:r>
             <a:endParaRPr lang="en-US" dirty="0"/>
           </a:p>
         </p:txBody>
@@ -3196,10 +3831,9 @@
           <a:bodyPr/>
           <a:lstStyle/>
           <a:p>
-            <a:fld id="{B61BEF0D-F0BB-DE4B-95CE-6DB70DBA9567}" type="datetimeFigureOut">
-              <a:rPr lang="en-US" dirty="0"/>
-              <a:pPr/>
-              <a:t>7/17/2015</a:t>
+            <a:fld id="{8E9448E2-927C-4B2A-96AC-BE5535E8FC2F}" type="datetime1">
+              <a:rPr lang="de-DE" smtClean="0"/>
+              <a:t>18.07.2015</a:t>
             </a:fld>
             <a:endParaRPr lang="en-US" dirty="0"/>
           </a:p>
@@ -3220,6 +3854,10 @@
           <a:bodyPr/>
           <a:lstStyle/>
           <a:p>
+            <a:r>
+              <a:rPr lang="de-DE" smtClean="0"/>
+              <a:t>Medida 2015 - Gruppe 12 - Sausage Pan - Endpräsentation</a:t>
+            </a:r>
             <a:endParaRPr lang="en-US" dirty="0"/>
           </a:p>
         </p:txBody>
@@ -3425,9 +4063,9 @@
           <a:bodyPr/>
           <a:lstStyle/>
           <a:p>
-            <a:fld id="{EB712588-04B1-427B-82EE-E8DB90309F08}" type="datetimeFigureOut">
-              <a:rPr lang="en-US" dirty="0"/>
-              <a:t>7/17/2015</a:t>
+            <a:fld id="{4747CEFC-AB71-4EED-BD60-FF3325A08951}" type="datetime1">
+              <a:rPr lang="de-DE" smtClean="0"/>
+              <a:t>18.07.2015</a:t>
             </a:fld>
             <a:endParaRPr lang="en-US" dirty="0"/>
           </a:p>
@@ -3448,6 +4086,10 @@
           <a:bodyPr/>
           <a:lstStyle/>
           <a:p>
+            <a:r>
+              <a:rPr lang="de-DE" smtClean="0"/>
+              <a:t>Medida 2015 - Gruppe 12 - Sausage Pan - Endpräsentation</a:t>
+            </a:r>
             <a:endParaRPr lang="en-US" dirty="0"/>
           </a:p>
         </p:txBody>
@@ -3794,10 +4436,9 @@
           <a:bodyPr/>
           <a:lstStyle/>
           <a:p>
-            <a:fld id="{B61BEF0D-F0BB-DE4B-95CE-6DB70DBA9567}" type="datetimeFigureOut">
-              <a:rPr lang="en-US" dirty="0"/>
-              <a:pPr/>
-              <a:t>7/17/2015</a:t>
+            <a:fld id="{E2B5B159-9409-46CC-A130-7C70835A2A83}" type="datetime1">
+              <a:rPr lang="de-DE" smtClean="0"/>
+              <a:t>18.07.2015</a:t>
             </a:fld>
             <a:endParaRPr lang="en-US" dirty="0"/>
           </a:p>
@@ -3818,6 +4459,10 @@
           <a:bodyPr/>
           <a:lstStyle/>
           <a:p>
+            <a:r>
+              <a:rPr lang="de-DE" smtClean="0"/>
+              <a:t>Medida 2015 - Gruppe 12 - Sausage Pan - Endpräsentation</a:t>
+            </a:r>
             <a:endParaRPr lang="en-US" dirty="0"/>
           </a:p>
         </p:txBody>
@@ -3914,10 +4559,9 @@
           <a:bodyPr/>
           <a:lstStyle/>
           <a:p>
-            <a:fld id="{B61BEF0D-F0BB-DE4B-95CE-6DB70DBA9567}" type="datetimeFigureOut">
-              <a:rPr lang="en-US" dirty="0"/>
-              <a:pPr/>
-              <a:t>7/17/2015</a:t>
+            <a:fld id="{8EDDDB6E-15E4-4385-890B-4832F0244ED4}" type="datetime1">
+              <a:rPr lang="de-DE" smtClean="0"/>
+              <a:t>18.07.2015</a:t>
             </a:fld>
             <a:endParaRPr lang="en-US" dirty="0"/>
           </a:p>
@@ -3938,6 +4582,10 @@
           <a:bodyPr/>
           <a:lstStyle/>
           <a:p>
+            <a:r>
+              <a:rPr lang="de-DE" smtClean="0"/>
+              <a:t>Medida 2015 - Gruppe 12 - Sausage Pan - Endpräsentation</a:t>
+            </a:r>
             <a:endParaRPr lang="en-US" dirty="0"/>
           </a:p>
         </p:txBody>
@@ -4006,10 +4654,9 @@
           <a:bodyPr/>
           <a:lstStyle/>
           <a:p>
-            <a:fld id="{B61BEF0D-F0BB-DE4B-95CE-6DB70DBA9567}" type="datetimeFigureOut">
-              <a:rPr lang="en-US" dirty="0"/>
-              <a:pPr/>
-              <a:t>7/17/2015</a:t>
+            <a:fld id="{80FA366A-CD0D-415B-AE6A-23A7BEF577F4}" type="datetime1">
+              <a:rPr lang="de-DE" smtClean="0"/>
+              <a:t>18.07.2015</a:t>
             </a:fld>
             <a:endParaRPr lang="en-US" dirty="0"/>
           </a:p>
@@ -4030,6 +4677,10 @@
           <a:bodyPr/>
           <a:lstStyle/>
           <a:p>
+            <a:r>
+              <a:rPr lang="de-DE" smtClean="0"/>
+              <a:t>Medida 2015 - Gruppe 12 - Sausage Pan - Endpräsentation</a:t>
+            </a:r>
             <a:endParaRPr lang="en-US" dirty="0"/>
           </a:p>
         </p:txBody>
@@ -4258,9 +4909,9 @@
           <a:bodyPr/>
           <a:lstStyle/>
           <a:p>
-            <a:fld id="{42A54C80-263E-416B-A8E0-580EDEADCBDC}" type="datetimeFigureOut">
-              <a:rPr lang="en-US" dirty="0"/>
-              <a:t>7/17/2015</a:t>
+            <a:fld id="{5169DCD0-3DB0-40C0-90BF-0FD15BB70279}" type="datetime1">
+              <a:rPr lang="de-DE" smtClean="0"/>
+              <a:t>18.07.2015</a:t>
             </a:fld>
             <a:endParaRPr lang="en-US" dirty="0"/>
           </a:p>
@@ -4281,6 +4932,10 @@
           <a:bodyPr/>
           <a:lstStyle/>
           <a:p>
+            <a:r>
+              <a:rPr lang="de-DE" smtClean="0"/>
+              <a:t>Medida 2015 - Gruppe 12 - Sausage Pan - Endpräsentation</a:t>
+            </a:r>
             <a:endParaRPr lang="en-US" dirty="0"/>
           </a:p>
         </p:txBody>
@@ -4516,10 +5171,9 @@
           <a:bodyPr/>
           <a:lstStyle/>
           <a:p>
-            <a:fld id="{B61BEF0D-F0BB-DE4B-95CE-6DB70DBA9567}" type="datetimeFigureOut">
-              <a:rPr lang="en-US" dirty="0"/>
-              <a:pPr/>
-              <a:t>7/17/2015</a:t>
+            <a:fld id="{90ADC388-FADB-4FB4-931E-8652B17B7C77}" type="datetime1">
+              <a:rPr lang="de-DE" smtClean="0"/>
+              <a:t>18.07.2015</a:t>
             </a:fld>
             <a:endParaRPr lang="en-US" dirty="0"/>
           </a:p>
@@ -4540,6 +5194,10 @@
           <a:bodyPr/>
           <a:lstStyle/>
           <a:p>
+            <a:r>
+              <a:rPr lang="de-DE" smtClean="0"/>
+              <a:t>Medida 2015 - Gruppe 12 - Sausage Pan - Endpräsentation</a:t>
+            </a:r>
             <a:endParaRPr lang="en-US" dirty="0"/>
           </a:p>
         </p:txBody>
@@ -5256,10 +5914,9 @@
             </a:lvl1pPr>
           </a:lstStyle>
           <a:p>
-            <a:fld id="{B61BEF0D-F0BB-DE4B-95CE-6DB70DBA9567}" type="datetimeFigureOut">
-              <a:rPr lang="en-US" dirty="0"/>
-              <a:pPr/>
-              <a:t>7/17/2015</a:t>
+            <a:fld id="{8460C403-F25F-43FC-9AEA-9666D9FBBB42}" type="datetime1">
+              <a:rPr lang="de-DE" smtClean="0"/>
+              <a:t>18.07.2015</a:t>
             </a:fld>
             <a:endParaRPr lang="en-US" dirty="0"/>
           </a:p>
@@ -5298,6 +5955,10 @@
             </a:lvl1pPr>
           </a:lstStyle>
           <a:p>
+            <a:r>
+              <a:rPr lang="de-DE" smtClean="0"/>
+              <a:t>Medida 2015 - Gruppe 12 - Sausage Pan - Endpräsentation</a:t>
+            </a:r>
             <a:endParaRPr lang="en-US" dirty="0"/>
           </a:p>
         </p:txBody>
@@ -5363,6 +6024,7 @@
     <p:sldLayoutId id="2147483667" r:id="rId15"/>
     <p:sldLayoutId id="2147483659" r:id="rId16"/>
   </p:sldLayoutIdLst>
+  <p:hf hdr="0" dt="0"/>
   <p:txStyles>
     <p:titleStyle>
       <a:lvl1pPr algn="l" defTabSz="457200" rtl="0" eaLnBrk="1" latinLnBrk="0" hangingPunct="1">
@@ -5781,40 +6443,6 @@
       </p:grpSpPr>
       <p:sp>
         <p:nvSpPr>
-          <p:cNvPr id="2" name="Titel 1"/>
-          <p:cNvSpPr>
-            <a:spLocks noGrp="1"/>
-          </p:cNvSpPr>
-          <p:nvPr>
-            <p:ph type="ctrTitle"/>
-          </p:nvPr>
-        </p:nvSpPr>
-        <p:spPr/>
-        <p:txBody>
-          <a:bodyPr/>
-          <a:lstStyle/>
-          <a:p>
-            <a:r>
-              <a:rPr lang="de-DE" dirty="0" err="1" smtClean="0"/>
-              <a:t>Sausage</a:t>
-            </a:r>
-            <a:r>
-              <a:rPr lang="de-DE" dirty="0" smtClean="0"/>
-              <a:t> Pan</a:t>
-            </a:r>
-            <a:br>
-              <a:rPr lang="de-DE" dirty="0" smtClean="0"/>
-            </a:br>
-            <a:r>
-              <a:rPr lang="de-DE" dirty="0" smtClean="0"/>
-              <a:t>Prisma</a:t>
-            </a:r>
-            <a:endParaRPr lang="de-DE" dirty="0"/>
-          </a:p>
-        </p:txBody>
-      </p:sp>
-      <p:sp>
-        <p:nvSpPr>
           <p:cNvPr id="3" name="Untertitel 2"/>
           <p:cNvSpPr>
             <a:spLocks noGrp="1"/>
@@ -5823,15 +6451,25 @@
             <p:ph type="subTitle" idx="1"/>
           </p:nvPr>
         </p:nvSpPr>
-        <p:spPr/>
-        <p:txBody>
-          <a:bodyPr/>
-          <a:lstStyle/>
-          <a:p>
-            <a:r>
-              <a:rPr lang="de-DE" dirty="0" smtClean="0"/>
-              <a:t>Gruppe 12</a:t>
-            </a:r>
+        <p:spPr>
+          <a:xfrm>
+            <a:off x="2554817" y="3800971"/>
+            <a:ext cx="7766936" cy="2484456"/>
+          </a:xfrm>
+        </p:spPr>
+        <p:txBody>
+          <a:bodyPr>
+            <a:normAutofit/>
+          </a:bodyPr>
+          <a:lstStyle/>
+          <a:p>
+            <a:pPr algn="l"/>
+            <a:endParaRPr lang="de-DE" dirty="0" smtClean="0"/>
+          </a:p>
+          <a:p>
+            <a:endParaRPr lang="de-DE" dirty="0" smtClean="0"/>
+          </a:p>
+          <a:p>
             <a:endParaRPr lang="de-DE" dirty="0"/>
           </a:p>
         </p:txBody>
@@ -5845,7 +6483,7 @@
           <p:nvPr/>
         </p:nvPicPr>
         <p:blipFill>
-          <a:blip r:embed="rId2">
+          <a:blip r:embed="rId3">
             <a:extLst>
               <a:ext uri="{28A0092B-C50C-407E-A947-70E740481C1C}">
                 <a14:useLocalDpi xmlns:a14="http://schemas.microsoft.com/office/drawing/2010/main" val="0"/>
@@ -5858,18 +6496,221 @@
         </p:blipFill>
         <p:spPr>
           <a:xfrm>
-            <a:off x="1507067" y="2404534"/>
-            <a:ext cx="2438400" cy="2676525"/>
+            <a:off x="723482" y="2057399"/>
+            <a:ext cx="1785188" cy="1959523"/>
           </a:xfrm>
           <a:prstGeom prst="rect">
             <a:avLst/>
           </a:prstGeom>
         </p:spPr>
       </p:pic>
+      <p:pic>
+        <p:nvPicPr>
+          <p:cNvPr id="5" name="Grafik 4"/>
+          <p:cNvPicPr>
+            <a:picLocks noChangeAspect="1"/>
+          </p:cNvPicPr>
+          <p:nvPr/>
+        </p:nvPicPr>
+        <p:blipFill>
+          <a:blip r:embed="rId4">
+            <a:extLst>
+              <a:ext uri="{28A0092B-C50C-407E-A947-70E740481C1C}">
+                <a14:useLocalDpi xmlns:a14="http://schemas.microsoft.com/office/drawing/2010/main" val="0"/>
+              </a:ext>
+            </a:extLst>
+          </a:blip>
+          <a:stretch>
+            <a:fillRect/>
+          </a:stretch>
+        </p:blipFill>
+        <p:spPr>
+          <a:xfrm>
+            <a:off x="2817462" y="1721782"/>
+            <a:ext cx="7241646" cy="2630755"/>
+          </a:xfrm>
+          <a:prstGeom prst="rect">
+            <a:avLst/>
+          </a:prstGeom>
+        </p:spPr>
+      </p:pic>
+      <p:sp>
+        <p:nvSpPr>
+          <p:cNvPr id="7" name="Foliennummernplatzhalter 6"/>
+          <p:cNvSpPr>
+            <a:spLocks noGrp="1"/>
+          </p:cNvSpPr>
+          <p:nvPr>
+            <p:ph type="sldNum" sz="quarter" idx="12"/>
+          </p:nvPr>
+        </p:nvSpPr>
+        <p:spPr/>
+        <p:txBody>
+          <a:bodyPr/>
+          <a:lstStyle/>
+          <a:p>
+            <a:fld id="{D57F1E4F-1CFF-5643-939E-217C01CDF565}" type="slidenum">
+              <a:rPr lang="en-US" smtClean="0"/>
+              <a:pPr/>
+              <a:t>1</a:t>
+            </a:fld>
+            <a:endParaRPr lang="en-US" dirty="0"/>
+          </a:p>
+        </p:txBody>
+      </p:sp>
+      <p:sp>
+        <p:nvSpPr>
+          <p:cNvPr id="8" name="Fußzeilenplatzhalter 7"/>
+          <p:cNvSpPr>
+            <a:spLocks noGrp="1"/>
+          </p:cNvSpPr>
+          <p:nvPr>
+            <p:ph type="ftr" sz="quarter" idx="11"/>
+          </p:nvPr>
+        </p:nvSpPr>
+        <p:spPr/>
+        <p:txBody>
+          <a:bodyPr/>
+          <a:lstStyle/>
+          <a:p>
+            <a:r>
+              <a:rPr lang="de-DE" smtClean="0"/>
+              <a:t>Medida 2015 - Gruppe 12 - Sausage Pan - Endpräsentation</a:t>
+            </a:r>
+            <a:endParaRPr lang="en-US" dirty="0"/>
+          </a:p>
+        </p:txBody>
+      </p:sp>
     </p:spTree>
     <p:extLst>
       <p:ext uri="{BB962C8B-B14F-4D97-AF65-F5344CB8AC3E}">
         <p14:creationId xmlns:p14="http://schemas.microsoft.com/office/powerpoint/2010/main" val="1821768146"/>
+      </p:ext>
+    </p:extLst>
+  </p:cSld>
+  <p:clrMapOvr>
+    <a:masterClrMapping/>
+  </p:clrMapOvr>
+  <p:timing>
+    <p:tnLst>
+      <p:par>
+        <p:cTn id="1" dur="indefinite" restart="never" nodeType="tmRoot"/>
+      </p:par>
+    </p:tnLst>
+  </p:timing>
+</p:sld>
+</file>
+
+<file path=ppt/slides/slide10.xml><?xml version="1.0" encoding="utf-8"?>
+<p:sld xmlns:a="http://schemas.openxmlformats.org/drawingml/2006/main" xmlns:r="http://schemas.openxmlformats.org/officeDocument/2006/relationships" xmlns:p="http://schemas.openxmlformats.org/presentationml/2006/main">
+  <p:cSld>
+    <p:spTree>
+      <p:nvGrpSpPr>
+        <p:cNvPr id="1" name=""/>
+        <p:cNvGrpSpPr/>
+        <p:nvPr/>
+      </p:nvGrpSpPr>
+      <p:grpSpPr>
+        <a:xfrm>
+          <a:off x="0" y="0"/>
+          <a:ext cx="0" cy="0"/>
+          <a:chOff x="0" y="0"/>
+          <a:chExt cx="0" cy="0"/>
+        </a:xfrm>
+      </p:grpSpPr>
+      <p:sp>
+        <p:nvSpPr>
+          <p:cNvPr id="4" name="Titel 3"/>
+          <p:cNvSpPr>
+            <a:spLocks noGrp="1"/>
+          </p:cNvSpPr>
+          <p:nvPr>
+            <p:ph type="ctrTitle"/>
+          </p:nvPr>
+        </p:nvSpPr>
+        <p:spPr/>
+        <p:txBody>
+          <a:bodyPr/>
+          <a:lstStyle/>
+          <a:p>
+            <a:r>
+              <a:rPr lang="de-DE" dirty="0" smtClean="0"/>
+              <a:t>Vielen Dank!</a:t>
+            </a:r>
+            <a:endParaRPr lang="de-DE" dirty="0"/>
+          </a:p>
+        </p:txBody>
+      </p:sp>
+      <p:sp>
+        <p:nvSpPr>
+          <p:cNvPr id="5" name="Untertitel 4"/>
+          <p:cNvSpPr>
+            <a:spLocks noGrp="1"/>
+          </p:cNvSpPr>
+          <p:nvPr>
+            <p:ph type="subTitle" idx="1"/>
+          </p:nvPr>
+        </p:nvSpPr>
+        <p:spPr/>
+        <p:txBody>
+          <a:bodyPr/>
+          <a:lstStyle/>
+          <a:p>
+            <a:endParaRPr lang="de-DE"/>
+          </a:p>
+        </p:txBody>
+      </p:sp>
+      <p:sp>
+        <p:nvSpPr>
+          <p:cNvPr id="3" name="Foliennummernplatzhalter 2"/>
+          <p:cNvSpPr>
+            <a:spLocks noGrp="1"/>
+          </p:cNvSpPr>
+          <p:nvPr>
+            <p:ph type="sldNum" sz="quarter" idx="12"/>
+          </p:nvPr>
+        </p:nvSpPr>
+        <p:spPr/>
+        <p:txBody>
+          <a:bodyPr/>
+          <a:lstStyle/>
+          <a:p>
+            <a:fld id="{D57F1E4F-1CFF-5643-939E-217C01CDF565}" type="slidenum">
+              <a:rPr lang="en-US" smtClean="0"/>
+              <a:pPr/>
+              <a:t>10</a:t>
+            </a:fld>
+            <a:endParaRPr lang="en-US" dirty="0"/>
+          </a:p>
+        </p:txBody>
+      </p:sp>
+      <p:sp>
+        <p:nvSpPr>
+          <p:cNvPr id="6" name="Fußzeilenplatzhalter 5"/>
+          <p:cNvSpPr>
+            <a:spLocks noGrp="1"/>
+          </p:cNvSpPr>
+          <p:nvPr>
+            <p:ph type="ftr" sz="quarter" idx="11"/>
+          </p:nvPr>
+        </p:nvSpPr>
+        <p:spPr/>
+        <p:txBody>
+          <a:bodyPr/>
+          <a:lstStyle/>
+          <a:p>
+            <a:r>
+              <a:rPr lang="de-DE" smtClean="0"/>
+              <a:t>Medida 2015 - Gruppe 12 - Sausage Pan - Endpräsentation</a:t>
+            </a:r>
+            <a:endParaRPr lang="en-US" dirty="0"/>
+          </a:p>
+        </p:txBody>
+      </p:sp>
+    </p:spTree>
+    <p:extLst>
+      <p:ext uri="{BB962C8B-B14F-4D97-AF65-F5344CB8AC3E}">
+        <p14:creationId xmlns:p14="http://schemas.microsoft.com/office/powerpoint/2010/main" val="2859433217"/>
       </p:ext>
     </p:extLst>
   </p:cSld>
@@ -5920,7 +6761,7 @@
           <a:p>
             <a:r>
               <a:rPr lang="de-DE" dirty="0" smtClean="0"/>
-              <a:t>Prisma</a:t>
+              <a:t>Gliederung</a:t>
             </a:r>
             <a:endParaRPr lang="de-DE" dirty="0"/>
           </a:p>
@@ -5943,80 +6784,125 @@
           <a:p>
             <a:r>
               <a:rPr lang="de-DE" dirty="0" smtClean="0"/>
-              <a:t>Konzept</a:t>
-            </a:r>
-          </a:p>
-          <a:p>
-            <a:pPr lvl="1"/>
+              <a:t>Überblick</a:t>
+            </a:r>
+          </a:p>
+          <a:p>
+            <a:r>
+              <a:rPr lang="de-DE" dirty="0"/>
+              <a:t>Präsentation: Animationen</a:t>
+            </a:r>
+          </a:p>
+          <a:p>
             <a:r>
               <a:rPr lang="de-DE" dirty="0" smtClean="0"/>
-              <a:t>Kleiner Mann in grauen Welt</a:t>
-            </a:r>
-          </a:p>
-          <a:p>
-            <a:pPr lvl="1"/>
+              <a:t>Lerninhalte</a:t>
+            </a:r>
+          </a:p>
+          <a:p>
             <a:r>
               <a:rPr lang="de-DE" dirty="0" smtClean="0"/>
-              <a:t>Regeboden wieder aufbauen</a:t>
-            </a:r>
-          </a:p>
-          <a:p>
-            <a:pPr lvl="2"/>
+              <a:t>Präsentation: Hilfemenü &amp; Minispiele</a:t>
+            </a:r>
+          </a:p>
+          <a:p>
             <a:r>
               <a:rPr lang="de-DE" dirty="0" smtClean="0"/>
-              <a:t>Alle Farben des Regenbogens aufsammeln</a:t>
+              <a:t>Didaktische Aspekte</a:t>
             </a:r>
           </a:p>
           <a:p>
             <a:r>
               <a:rPr lang="de-DE" dirty="0" smtClean="0"/>
-              <a:t>Spielmechaniken</a:t>
-            </a:r>
-          </a:p>
-          <a:p>
-            <a:pPr lvl="1"/>
-            <a:r>
-              <a:rPr lang="de-DE" dirty="0" smtClean="0"/>
-              <a:t>Farbmischung mit kleinem Mann</a:t>
-            </a:r>
-          </a:p>
-          <a:p>
-            <a:pPr lvl="1"/>
-            <a:r>
-              <a:rPr lang="de-DE" dirty="0" smtClean="0"/>
-              <a:t>Besiegen Gegner mit Komplementärfarben</a:t>
-            </a:r>
-          </a:p>
-          <a:p>
-            <a:pPr lvl="1"/>
-            <a:r>
-              <a:rPr lang="de-DE" dirty="0" smtClean="0"/>
-              <a:t>Lichtzerlegung </a:t>
-            </a:r>
-            <a:r>
-              <a:rPr lang="de-DE" dirty="0" smtClean="0"/>
-              <a:t>mit Prismen</a:t>
-            </a:r>
-          </a:p>
-          <a:p>
-            <a:r>
-              <a:rPr lang="de-DE" dirty="0" smtClean="0"/>
-              <a:t>Steuerung</a:t>
-            </a:r>
-          </a:p>
-          <a:p>
-            <a:pPr lvl="1"/>
-            <a:r>
-              <a:rPr lang="de-DE" dirty="0" smtClean="0"/>
-              <a:t>Tastatur und Maus</a:t>
-            </a:r>
-          </a:p>
-        </p:txBody>
-      </p:sp>
+              <a:t>Präsentation: Spiel</a:t>
+            </a:r>
+          </a:p>
+          <a:p>
+            <a:endParaRPr lang="de-DE" dirty="0"/>
+          </a:p>
+        </p:txBody>
+      </p:sp>
+      <p:sp>
+        <p:nvSpPr>
+          <p:cNvPr id="5" name="Foliennummernplatzhalter 4"/>
+          <p:cNvSpPr>
+            <a:spLocks noGrp="1"/>
+          </p:cNvSpPr>
+          <p:nvPr>
+            <p:ph type="sldNum" sz="quarter" idx="12"/>
+          </p:nvPr>
+        </p:nvSpPr>
+        <p:spPr/>
+        <p:txBody>
+          <a:bodyPr/>
+          <a:lstStyle/>
+          <a:p>
+            <a:fld id="{D57F1E4F-1CFF-5643-939E-217C01CDF565}" type="slidenum">
+              <a:rPr lang="en-US" smtClean="0"/>
+              <a:pPr/>
+              <a:t>2</a:t>
+            </a:fld>
+            <a:endParaRPr lang="en-US" dirty="0"/>
+          </a:p>
+        </p:txBody>
+      </p:sp>
+      <p:sp>
+        <p:nvSpPr>
+          <p:cNvPr id="6" name="Fußzeilenplatzhalter 5"/>
+          <p:cNvSpPr>
+            <a:spLocks noGrp="1"/>
+          </p:cNvSpPr>
+          <p:nvPr>
+            <p:ph type="ftr" sz="quarter" idx="11"/>
+          </p:nvPr>
+        </p:nvSpPr>
+        <p:spPr/>
+        <p:txBody>
+          <a:bodyPr/>
+          <a:lstStyle/>
+          <a:p>
+            <a:r>
+              <a:rPr lang="de-DE" smtClean="0"/>
+              <a:t>Medida 2015 - Gruppe 12 - Sausage Pan - Endpräsentation</a:t>
+            </a:r>
+            <a:endParaRPr lang="en-US" dirty="0"/>
+          </a:p>
+        </p:txBody>
+      </p:sp>
+      <p:pic>
+        <p:nvPicPr>
+          <p:cNvPr id="7" name="Grafik 6"/>
+          <p:cNvPicPr>
+            <a:picLocks noChangeAspect="1"/>
+          </p:cNvPicPr>
+          <p:nvPr/>
+        </p:nvPicPr>
+        <p:blipFill>
+          <a:blip r:embed="rId2">
+            <a:extLst>
+              <a:ext uri="{28A0092B-C50C-407E-A947-70E740481C1C}">
+                <a14:useLocalDpi xmlns:a14="http://schemas.microsoft.com/office/drawing/2010/main" val="0"/>
+              </a:ext>
+            </a:extLst>
+          </a:blip>
+          <a:stretch>
+            <a:fillRect/>
+          </a:stretch>
+        </p:blipFill>
+        <p:spPr>
+          <a:xfrm>
+            <a:off x="8590663" y="2429363"/>
+            <a:ext cx="3601337" cy="4201561"/>
+          </a:xfrm>
+          <a:prstGeom prst="rect">
+            <a:avLst/>
+          </a:prstGeom>
+        </p:spPr>
+      </p:pic>
     </p:spTree>
     <p:extLst>
       <p:ext uri="{BB962C8B-B14F-4D97-AF65-F5344CB8AC3E}">
-        <p14:creationId xmlns:p14="http://schemas.microsoft.com/office/powerpoint/2010/main" val="80752344"/>
+        <p14:creationId xmlns:p14="http://schemas.microsoft.com/office/powerpoint/2010/main" val="650679439"/>
       </p:ext>
     </p:extLst>
   </p:cSld>
@@ -6052,7 +6938,7 @@
       </p:grpSpPr>
       <p:sp>
         <p:nvSpPr>
-          <p:cNvPr id="4" name="Titel 3"/>
+          <p:cNvPr id="2" name="Titel 1"/>
           <p:cNvSpPr>
             <a:spLocks noGrp="1"/>
           </p:cNvSpPr>
@@ -6067,16 +6953,264 @@
           <a:p>
             <a:r>
               <a:rPr lang="de-DE" dirty="0" smtClean="0"/>
-              <a:t>Präsentation Videosequenz</a:t>
+              <a:t>Prisma: Ein Überblick</a:t>
             </a:r>
             <a:endParaRPr lang="de-DE" dirty="0"/>
           </a:p>
         </p:txBody>
       </p:sp>
+      <p:sp>
+        <p:nvSpPr>
+          <p:cNvPr id="3" name="Inhaltsplatzhalter 2"/>
+          <p:cNvSpPr>
+            <a:spLocks noGrp="1"/>
+          </p:cNvSpPr>
+          <p:nvPr>
+            <p:ph idx="1"/>
+          </p:nvPr>
+        </p:nvSpPr>
+        <p:spPr/>
+        <p:txBody>
+          <a:bodyPr>
+            <a:normAutofit fontScale="77500" lnSpcReduction="20000"/>
+          </a:bodyPr>
+          <a:lstStyle/>
+          <a:p>
+            <a:r>
+              <a:rPr lang="de-DE" dirty="0" smtClean="0"/>
+              <a:t>Zielgruppe: 10 - 12 Jahre </a:t>
+            </a:r>
+            <a:r>
+              <a:rPr lang="de-DE" i="1" dirty="0" smtClean="0"/>
+              <a:t>(schulunabhängig!)</a:t>
+            </a:r>
+          </a:p>
+          <a:p>
+            <a:r>
+              <a:rPr lang="de-DE" dirty="0" smtClean="0"/>
+              <a:t>Story</a:t>
+            </a:r>
+          </a:p>
+          <a:p>
+            <a:pPr lvl="1"/>
+            <a:r>
+              <a:rPr lang="de-DE" dirty="0" smtClean="0"/>
+              <a:t>Durch ein Missgeschick einer Motte zerbrach der Regenbogen und die Welt wurde grau</a:t>
+            </a:r>
+            <a:endParaRPr lang="de-DE" dirty="0" smtClean="0"/>
+          </a:p>
+          <a:p>
+            <a:pPr lvl="1"/>
+            <a:r>
+              <a:rPr lang="de-DE" dirty="0" smtClean="0"/>
+              <a:t>Spieler übernimmt die Rolle einer kleinen namenlosen Figur</a:t>
+            </a:r>
+            <a:endParaRPr lang="de-DE" dirty="0" smtClean="0"/>
+          </a:p>
+          <a:p>
+            <a:pPr lvl="1"/>
+            <a:r>
+              <a:rPr lang="de-DE" dirty="0" smtClean="0"/>
+              <a:t>Ziel: Regenbogen </a:t>
+            </a:r>
+            <a:r>
+              <a:rPr lang="de-DE" dirty="0" smtClean="0"/>
+              <a:t>wieder aufbauen</a:t>
+            </a:r>
+          </a:p>
+          <a:p>
+            <a:pPr lvl="2"/>
+            <a:r>
+              <a:rPr lang="de-DE" dirty="0" smtClean="0"/>
+              <a:t>Dazu: Alle </a:t>
+            </a:r>
+            <a:r>
+              <a:rPr lang="de-DE" dirty="0" smtClean="0"/>
+              <a:t>Farben des Regenbogens aufsammeln</a:t>
+            </a:r>
+          </a:p>
+          <a:p>
+            <a:r>
+              <a:rPr lang="de-DE" dirty="0" smtClean="0"/>
+              <a:t>Spielmechaniken</a:t>
+            </a:r>
+          </a:p>
+          <a:p>
+            <a:pPr lvl="1"/>
+            <a:r>
+              <a:rPr lang="de-DE" dirty="0" smtClean="0"/>
+              <a:t>Grundlegend: Jump n Run</a:t>
+            </a:r>
+            <a:endParaRPr lang="de-DE" dirty="0" smtClean="0"/>
+          </a:p>
+          <a:p>
+            <a:pPr lvl="1"/>
+            <a:r>
+              <a:rPr lang="de-DE" dirty="0" smtClean="0"/>
+              <a:t>Figur kann sich färben</a:t>
+            </a:r>
+            <a:endParaRPr lang="de-DE" dirty="0" smtClean="0"/>
+          </a:p>
+          <a:p>
+            <a:pPr lvl="1"/>
+            <a:r>
+              <a:rPr lang="de-DE" dirty="0" smtClean="0"/>
+              <a:t>Besiegen von Gegnern </a:t>
+            </a:r>
+            <a:r>
+              <a:rPr lang="de-DE" dirty="0" smtClean="0"/>
+              <a:t>mit Komplementärfarben</a:t>
+            </a:r>
+          </a:p>
+          <a:p>
+            <a:pPr lvl="1"/>
+            <a:r>
+              <a:rPr lang="de-DE" dirty="0" smtClean="0"/>
+              <a:t>Lichtbrechung, -absorption und -reflektion </a:t>
+            </a:r>
+            <a:r>
+              <a:rPr lang="de-DE" dirty="0" smtClean="0"/>
+              <a:t>mit </a:t>
+            </a:r>
+            <a:r>
+              <a:rPr lang="de-DE" dirty="0" smtClean="0"/>
+              <a:t>Prismen &amp; Wolken</a:t>
+            </a:r>
+          </a:p>
+          <a:p>
+            <a:pPr lvl="1"/>
+            <a:r>
+              <a:rPr lang="de-DE" dirty="0" smtClean="0"/>
+              <a:t>Zusätzlich: Wissensabfrage in Form von Quiz</a:t>
+            </a:r>
+            <a:endParaRPr lang="de-DE" dirty="0" smtClean="0"/>
+          </a:p>
+          <a:p>
+            <a:r>
+              <a:rPr lang="de-DE" dirty="0" smtClean="0"/>
+              <a:t>Steuerung</a:t>
+            </a:r>
+          </a:p>
+          <a:p>
+            <a:pPr lvl="1"/>
+            <a:r>
+              <a:rPr lang="de-DE" dirty="0" smtClean="0"/>
+              <a:t>Tastatur und Maus</a:t>
+            </a:r>
+          </a:p>
+        </p:txBody>
+      </p:sp>
+      <p:sp>
+        <p:nvSpPr>
+          <p:cNvPr id="5" name="Foliennummernplatzhalter 4"/>
+          <p:cNvSpPr>
+            <a:spLocks noGrp="1"/>
+          </p:cNvSpPr>
+          <p:nvPr>
+            <p:ph type="sldNum" sz="quarter" idx="12"/>
+          </p:nvPr>
+        </p:nvSpPr>
+        <p:spPr/>
+        <p:txBody>
+          <a:bodyPr/>
+          <a:lstStyle/>
+          <a:p>
+            <a:fld id="{D57F1E4F-1CFF-5643-939E-217C01CDF565}" type="slidenum">
+              <a:rPr lang="en-US" smtClean="0"/>
+              <a:pPr/>
+              <a:t>3</a:t>
+            </a:fld>
+            <a:endParaRPr lang="en-US" dirty="0"/>
+          </a:p>
+        </p:txBody>
+      </p:sp>
+      <p:sp>
+        <p:nvSpPr>
+          <p:cNvPr id="6" name="Fußzeilenplatzhalter 5"/>
+          <p:cNvSpPr>
+            <a:spLocks noGrp="1"/>
+          </p:cNvSpPr>
+          <p:nvPr>
+            <p:ph type="ftr" sz="quarter" idx="11"/>
+          </p:nvPr>
+        </p:nvSpPr>
+        <p:spPr/>
+        <p:txBody>
+          <a:bodyPr/>
+          <a:lstStyle/>
+          <a:p>
+            <a:r>
+              <a:rPr lang="de-DE" smtClean="0"/>
+              <a:t>Medida 2015 - Gruppe 12 - Sausage Pan - Endpräsentation</a:t>
+            </a:r>
+            <a:endParaRPr lang="en-US" dirty="0"/>
+          </a:p>
+        </p:txBody>
+      </p:sp>
+      <p:pic>
+        <p:nvPicPr>
+          <p:cNvPr id="9" name="Grafik 8"/>
+          <p:cNvPicPr>
+            <a:picLocks noChangeAspect="1"/>
+          </p:cNvPicPr>
+          <p:nvPr/>
+        </p:nvPicPr>
+        <p:blipFill>
+          <a:blip r:embed="rId3"/>
+          <a:stretch>
+            <a:fillRect/>
+          </a:stretch>
+        </p:blipFill>
+        <p:spPr>
+          <a:xfrm>
+            <a:off x="7506140" y="518666"/>
+            <a:ext cx="3994289" cy="2502320"/>
+          </a:xfrm>
+          <a:prstGeom prst="rect">
+            <a:avLst/>
+          </a:prstGeom>
+          <a:ln w="73025" cap="sq">
+            <a:solidFill>
+              <a:schemeClr val="bg1"/>
+            </a:solidFill>
+            <a:miter lim="800000"/>
+          </a:ln>
+        </p:spPr>
+      </p:pic>
+      <p:pic>
+        <p:nvPicPr>
+          <p:cNvPr id="12" name="Grafik 11"/>
+          <p:cNvPicPr>
+            <a:picLocks noChangeAspect="1"/>
+          </p:cNvPicPr>
+          <p:nvPr/>
+        </p:nvPicPr>
+        <p:blipFill>
+          <a:blip r:embed="rId4"/>
+          <a:stretch>
+            <a:fillRect/>
+          </a:stretch>
+        </p:blipFill>
+        <p:spPr>
+          <a:xfrm>
+            <a:off x="7506140" y="3386111"/>
+            <a:ext cx="3994289" cy="2446338"/>
+          </a:xfrm>
+          <a:prstGeom prst="rect">
+            <a:avLst/>
+          </a:prstGeom>
+          <a:ln w="73025" cap="sq">
+            <a:solidFill>
+              <a:schemeClr val="bg1"/>
+            </a:solidFill>
+            <a:miter lim="800000"/>
+          </a:ln>
+        </p:spPr>
+      </p:pic>
     </p:spTree>
     <p:extLst>
       <p:ext uri="{BB962C8B-B14F-4D97-AF65-F5344CB8AC3E}">
-        <p14:creationId xmlns:p14="http://schemas.microsoft.com/office/powerpoint/2010/main" val="2492025568"/>
+        <p14:creationId xmlns:p14="http://schemas.microsoft.com/office/powerpoint/2010/main" val="80752344"/>
       </p:ext>
     </p:extLst>
   </p:cSld>
@@ -6112,7 +7246,7 @@
       </p:grpSpPr>
       <p:sp>
         <p:nvSpPr>
-          <p:cNvPr id="2" name="Titel 1"/>
+          <p:cNvPr id="4" name="Titel 3"/>
           <p:cNvSpPr>
             <a:spLocks noGrp="1"/>
           </p:cNvSpPr>
@@ -6127,7 +7261,11 @@
           <a:p>
             <a:r>
               <a:rPr lang="de-DE" dirty="0" smtClean="0"/>
-              <a:t>Farbenlehre</a:t>
+              <a:t>Präsentation </a:t>
+            </a:r>
+            <a:r>
+              <a:rPr lang="de-DE" dirty="0" smtClean="0"/>
+              <a:t>Animationen</a:t>
             </a:r>
             <a:endParaRPr lang="de-DE" dirty="0"/>
           </a:p>
@@ -6135,7 +7273,7 @@
       </p:sp>
       <p:sp>
         <p:nvSpPr>
-          <p:cNvPr id="3" name="Inhaltsplatzhalter 2"/>
+          <p:cNvPr id="2" name="Inhaltsplatzhalter 1"/>
           <p:cNvSpPr>
             <a:spLocks noGrp="1"/>
           </p:cNvSpPr>
@@ -6148,44 +7286,68 @@
           <a:bodyPr/>
           <a:lstStyle/>
           <a:p>
-            <a:r>
-              <a:rPr lang="de-DE" dirty="0" smtClean="0"/>
-              <a:t>Additive Farbmischung</a:t>
-            </a:r>
-          </a:p>
-          <a:p>
-            <a:r>
-              <a:rPr lang="de-DE" dirty="0" smtClean="0"/>
-              <a:t>Subtraktive Farbmischung</a:t>
-            </a:r>
-          </a:p>
-          <a:p>
-            <a:r>
-              <a:rPr lang="de-DE" dirty="0" smtClean="0"/>
-              <a:t>Komplementärfarben</a:t>
-            </a:r>
-          </a:p>
-          <a:p>
-            <a:r>
-              <a:rPr lang="de-DE" dirty="0" smtClean="0"/>
-              <a:t>Lichtzerlegung</a:t>
-            </a:r>
-          </a:p>
-          <a:p>
-            <a:r>
-              <a:rPr lang="de-DE" dirty="0" smtClean="0"/>
-              <a:t>Verdeckung von Farbe</a:t>
-            </a:r>
-          </a:p>
-          <a:p>
-            <a:endParaRPr lang="de-DE" dirty="0"/>
+            <a:pPr marL="0" indent="0">
+              <a:buNone/>
+            </a:pPr>
+            <a:r>
+              <a:rPr lang="de-DE" i="1" dirty="0" smtClean="0"/>
+              <a:t>Die Einführungssequenz.</a:t>
+            </a:r>
+            <a:endParaRPr lang="de-DE" i="1" dirty="0"/>
+          </a:p>
+        </p:txBody>
+      </p:sp>
+      <p:sp>
+        <p:nvSpPr>
+          <p:cNvPr id="5" name="Foliennummernplatzhalter 4"/>
+          <p:cNvSpPr>
+            <a:spLocks noGrp="1"/>
+          </p:cNvSpPr>
+          <p:nvPr>
+            <p:ph type="sldNum" sz="quarter" idx="12"/>
+          </p:nvPr>
+        </p:nvSpPr>
+        <p:spPr/>
+        <p:txBody>
+          <a:bodyPr/>
+          <a:lstStyle/>
+          <a:p>
+            <a:fld id="{D57F1E4F-1CFF-5643-939E-217C01CDF565}" type="slidenum">
+              <a:rPr lang="en-US" smtClean="0"/>
+              <a:pPr/>
+              <a:t>4</a:t>
+            </a:fld>
+            <a:endParaRPr lang="en-US" dirty="0"/>
+          </a:p>
+        </p:txBody>
+      </p:sp>
+      <p:sp>
+        <p:nvSpPr>
+          <p:cNvPr id="6" name="Fußzeilenplatzhalter 5"/>
+          <p:cNvSpPr>
+            <a:spLocks noGrp="1"/>
+          </p:cNvSpPr>
+          <p:nvPr>
+            <p:ph type="ftr" sz="quarter" idx="11"/>
+          </p:nvPr>
+        </p:nvSpPr>
+        <p:spPr/>
+        <p:txBody>
+          <a:bodyPr/>
+          <a:lstStyle/>
+          <a:p>
+            <a:r>
+              <a:rPr lang="de-DE" smtClean="0"/>
+              <a:t>Medida 2015 - Gruppe 12 - Sausage Pan - Endpräsentation</a:t>
+            </a:r>
+            <a:endParaRPr lang="en-US" dirty="0"/>
           </a:p>
         </p:txBody>
       </p:sp>
     </p:spTree>
     <p:extLst>
       <p:ext uri="{BB962C8B-B14F-4D97-AF65-F5344CB8AC3E}">
-        <p14:creationId xmlns:p14="http://schemas.microsoft.com/office/powerpoint/2010/main" val="1422161702"/>
+        <p14:creationId xmlns:p14="http://schemas.microsoft.com/office/powerpoint/2010/main" val="2492025568"/>
       </p:ext>
     </p:extLst>
   </p:cSld>
@@ -6236,7 +7398,7 @@
           <a:p>
             <a:r>
               <a:rPr lang="de-DE" dirty="0" smtClean="0"/>
-              <a:t>Didaktische Aspekte</a:t>
+              <a:t>Lerninhalt: Die Farbenlehre</a:t>
             </a:r>
             <a:endParaRPr lang="de-DE" dirty="0"/>
           </a:p>
@@ -6259,115 +7421,107 @@
           <a:p>
             <a:r>
               <a:rPr lang="de-DE" dirty="0" smtClean="0"/>
-              <a:t>Zielgruppe</a:t>
+              <a:t>Pro Level ein Thema der Farbenlehre:</a:t>
             </a:r>
           </a:p>
           <a:p>
             <a:pPr lvl="1"/>
             <a:r>
               <a:rPr lang="de-DE" dirty="0" smtClean="0"/>
-              <a:t>Kinder von 10 bis 12 Jahren</a:t>
-            </a:r>
-          </a:p>
-          <a:p>
+              <a:t>Additive </a:t>
+            </a:r>
             <a:r>
               <a:rPr lang="de-DE" dirty="0" smtClean="0"/>
-              <a:t>Kein Ersatz von Schulfächer</a:t>
-            </a:r>
-          </a:p>
-          <a:p>
+              <a:t>Farbmischung</a:t>
+            </a:r>
+          </a:p>
+          <a:p>
+            <a:pPr lvl="1"/>
             <a:r>
               <a:rPr lang="de-DE" dirty="0" smtClean="0"/>
-              <a:t>Motte ist Helfer</a:t>
-            </a:r>
-          </a:p>
-          <a:p>
+              <a:t>Subtraktive Farbmischung</a:t>
+            </a:r>
+          </a:p>
+          <a:p>
+            <a:pPr lvl="1"/>
             <a:r>
               <a:rPr lang="de-DE" dirty="0" smtClean="0"/>
-              <a:t>Hilfefenster in jedem Level</a:t>
-            </a:r>
+              <a:t>Verhalten von Lichtfarben (Reflektion &amp; Absorption)</a:t>
+            </a:r>
+            <a:endParaRPr lang="de-DE" dirty="0" smtClean="0"/>
           </a:p>
           <a:p>
             <a:pPr lvl="1"/>
             <a:r>
               <a:rPr lang="de-DE" dirty="0" smtClean="0"/>
-              <a:t>Text mit Erklärungen über das Level</a:t>
-            </a:r>
+              <a:t>Komplementärfarben</a:t>
+            </a:r>
+            <a:endParaRPr lang="de-DE" dirty="0" smtClean="0"/>
           </a:p>
           <a:p>
             <a:pPr lvl="1"/>
             <a:r>
               <a:rPr lang="de-DE" dirty="0" smtClean="0"/>
-              <a:t>Minispiel für das Verstehen des Levels</a:t>
-            </a:r>
+              <a:t>Lichtbrechung</a:t>
+            </a:r>
+            <a:endParaRPr lang="de-DE" dirty="0" smtClean="0"/>
+          </a:p>
+          <a:p>
             <a:endParaRPr lang="de-DE" dirty="0"/>
           </a:p>
         </p:txBody>
       </p:sp>
-      <p:pic>
-        <p:nvPicPr>
-          <p:cNvPr id="5" name="Grafik 4"/>
-          <p:cNvPicPr>
-            <a:picLocks noChangeAspect="1"/>
-          </p:cNvPicPr>
-          <p:nvPr/>
-        </p:nvPicPr>
-        <p:blipFill>
-          <a:blip r:embed="rId2">
-            <a:extLst>
-              <a:ext uri="{28A0092B-C50C-407E-A947-70E740481C1C}">
-                <a14:useLocalDpi xmlns:a14="http://schemas.microsoft.com/office/drawing/2010/main" val="0"/>
-              </a:ext>
-            </a:extLst>
-          </a:blip>
-          <a:stretch>
-            <a:fillRect/>
-          </a:stretch>
-        </p:blipFill>
-        <p:spPr>
-          <a:xfrm>
-            <a:off x="5604934" y="807959"/>
-            <a:ext cx="3962400" cy="2475072"/>
-          </a:xfrm>
-          <a:prstGeom prst="rect">
-            <a:avLst/>
-          </a:prstGeom>
-        </p:spPr>
-      </p:pic>
-      <p:pic>
-        <p:nvPicPr>
-          <p:cNvPr id="6" name="Grafik 5"/>
-          <p:cNvPicPr>
-            <a:picLocks noChangeAspect="1"/>
-          </p:cNvPicPr>
-          <p:nvPr/>
-        </p:nvPicPr>
-        <p:blipFill>
-          <a:blip r:embed="rId3">
-            <a:extLst>
-              <a:ext uri="{28A0092B-C50C-407E-A947-70E740481C1C}">
-                <a14:useLocalDpi xmlns:a14="http://schemas.microsoft.com/office/drawing/2010/main" val="0"/>
-              </a:ext>
-            </a:extLst>
-          </a:blip>
-          <a:stretch>
-            <a:fillRect/>
-          </a:stretch>
-        </p:blipFill>
-        <p:spPr>
-          <a:xfrm>
-            <a:off x="5604934" y="3604034"/>
-            <a:ext cx="3894668" cy="2437328"/>
-          </a:xfrm>
-          <a:prstGeom prst="rect">
-            <a:avLst/>
-          </a:prstGeom>
-        </p:spPr>
-      </p:pic>
+      <p:sp>
+        <p:nvSpPr>
+          <p:cNvPr id="5" name="Foliennummernplatzhalter 4"/>
+          <p:cNvSpPr>
+            <a:spLocks noGrp="1"/>
+          </p:cNvSpPr>
+          <p:nvPr>
+            <p:ph type="sldNum" sz="quarter" idx="12"/>
+          </p:nvPr>
+        </p:nvSpPr>
+        <p:spPr/>
+        <p:txBody>
+          <a:bodyPr/>
+          <a:lstStyle/>
+          <a:p>
+            <a:fld id="{D57F1E4F-1CFF-5643-939E-217C01CDF565}" type="slidenum">
+              <a:rPr lang="en-US" smtClean="0"/>
+              <a:pPr/>
+              <a:t>5</a:t>
+            </a:fld>
+            <a:endParaRPr lang="en-US" dirty="0"/>
+          </a:p>
+        </p:txBody>
+      </p:sp>
+      <p:sp>
+        <p:nvSpPr>
+          <p:cNvPr id="6" name="Fußzeilenplatzhalter 5"/>
+          <p:cNvSpPr>
+            <a:spLocks noGrp="1"/>
+          </p:cNvSpPr>
+          <p:nvPr>
+            <p:ph type="ftr" sz="quarter" idx="11"/>
+          </p:nvPr>
+        </p:nvSpPr>
+        <p:spPr/>
+        <p:txBody>
+          <a:bodyPr/>
+          <a:lstStyle/>
+          <a:p>
+            <a:r>
+              <a:rPr lang="de-DE" smtClean="0"/>
+              <a:t>Medida 2015 - Gruppe 12 - Sausage Pan - Endpräsentation</a:t>
+            </a:r>
+            <a:endParaRPr lang="en-US" dirty="0"/>
+          </a:p>
+        </p:txBody>
+      </p:sp>
     </p:spTree>
     <p:extLst>
       <p:ext uri="{BB962C8B-B14F-4D97-AF65-F5344CB8AC3E}">
-        <p14:creationId xmlns:p14="http://schemas.microsoft.com/office/powerpoint/2010/main" val="1281742371"/>
+        <p14:creationId xmlns:p14="http://schemas.microsoft.com/office/powerpoint/2010/main" val="1422161702"/>
       </p:ext>
     </p:extLst>
   </p:cSld>
@@ -6416,14 +7570,6 @@
           <a:bodyPr/>
           <a:lstStyle/>
           <a:p>
-            <a:r>
-              <a:rPr lang="de-DE" dirty="0" smtClean="0"/>
-              <a:t>Präsentation </a:t>
-            </a:r>
-            <a:r>
-              <a:rPr lang="de-DE" dirty="0" err="1" smtClean="0"/>
-              <a:t>Minigame</a:t>
-            </a:r>
             <a:endParaRPr lang="de-DE" dirty="0"/>
           </a:p>
         </p:txBody>
@@ -6440,17 +7586,73 @@
         </p:nvSpPr>
         <p:spPr/>
         <p:txBody>
-          <a:bodyPr/>
-          <a:lstStyle/>
-          <a:p>
-            <a:endParaRPr lang="de-DE"/>
+          <a:bodyPr>
+            <a:normAutofit/>
+          </a:bodyPr>
+          <a:lstStyle/>
+          <a:p>
+            <a:pPr marL="0" indent="0" algn="ctr">
+              <a:buNone/>
+            </a:pPr>
+            <a:r>
+              <a:rPr lang="de-DE" sz="5400" dirty="0" smtClean="0"/>
+              <a:t>Wie tritt der Lernstoff in den Fokus?</a:t>
+            </a:r>
+            <a:endParaRPr lang="de-DE" sz="5400" dirty="0"/>
+          </a:p>
+        </p:txBody>
+      </p:sp>
+      <p:sp>
+        <p:nvSpPr>
+          <p:cNvPr id="4" name="Fußzeilenplatzhalter 3"/>
+          <p:cNvSpPr>
+            <a:spLocks noGrp="1"/>
+          </p:cNvSpPr>
+          <p:nvPr>
+            <p:ph type="ftr" sz="quarter" idx="11"/>
+          </p:nvPr>
+        </p:nvSpPr>
+        <p:spPr/>
+        <p:txBody>
+          <a:bodyPr/>
+          <a:lstStyle/>
+          <a:p>
+            <a:r>
+              <a:rPr lang="de-DE" smtClean="0"/>
+              <a:t>Medida 2015 - Gruppe 12 - Sausage Pan - Endpräsentation</a:t>
+            </a:r>
+            <a:endParaRPr lang="en-US" dirty="0"/>
+          </a:p>
+        </p:txBody>
+      </p:sp>
+      <p:sp>
+        <p:nvSpPr>
+          <p:cNvPr id="5" name="Foliennummernplatzhalter 4"/>
+          <p:cNvSpPr>
+            <a:spLocks noGrp="1"/>
+          </p:cNvSpPr>
+          <p:nvPr>
+            <p:ph type="sldNum" sz="quarter" idx="12"/>
+          </p:nvPr>
+        </p:nvSpPr>
+        <p:spPr/>
+        <p:txBody>
+          <a:bodyPr/>
+          <a:lstStyle/>
+          <a:p>
+            <a:fld id="{D57F1E4F-1CFF-5643-939E-217C01CDF565}" type="slidenum">
+              <a:rPr lang="en-US" smtClean="0"/>
+              <a:pPr/>
+              <a:t>6</a:t>
+            </a:fld>
+            <a:endParaRPr lang="en-US" dirty="0"/>
           </a:p>
         </p:txBody>
       </p:sp>
     </p:spTree>
     <p:extLst>
       <p:ext uri="{BB962C8B-B14F-4D97-AF65-F5344CB8AC3E}">
-        <p14:creationId xmlns:p14="http://schemas.microsoft.com/office/powerpoint/2010/main" val="3119390769"/>
+        <p14:creationId xmlns:p14="http://schemas.microsoft.com/office/powerpoint/2010/main" val="501289924"/>
       </p:ext>
     </p:extLst>
   </p:cSld>
@@ -6500,8 +7702,12 @@
           <a:lstStyle/>
           <a:p>
             <a:r>
-              <a:rPr lang="de-DE" smtClean="0"/>
-              <a:t>Präsentation Spiels</a:t>
+              <a:rPr lang="de-DE" dirty="0" smtClean="0"/>
+              <a:t>Präsentation: Hilfemenü &amp; </a:t>
+            </a:r>
+            <a:r>
+              <a:rPr lang="de-DE" dirty="0" err="1" smtClean="0"/>
+              <a:t>Minigames</a:t>
             </a:r>
             <a:endParaRPr lang="de-DE" dirty="0"/>
           </a:p>
@@ -6523,13 +7729,60 @@
           <a:lstStyle/>
           <a:p>
             <a:endParaRPr lang="de-DE"/>
+          </a:p>
+        </p:txBody>
+      </p:sp>
+      <p:sp>
+        <p:nvSpPr>
+          <p:cNvPr id="5" name="Foliennummernplatzhalter 4"/>
+          <p:cNvSpPr>
+            <a:spLocks noGrp="1"/>
+          </p:cNvSpPr>
+          <p:nvPr>
+            <p:ph type="sldNum" sz="quarter" idx="12"/>
+          </p:nvPr>
+        </p:nvSpPr>
+        <p:spPr/>
+        <p:txBody>
+          <a:bodyPr/>
+          <a:lstStyle/>
+          <a:p>
+            <a:fld id="{D57F1E4F-1CFF-5643-939E-217C01CDF565}" type="slidenum">
+              <a:rPr lang="en-US" smtClean="0"/>
+              <a:pPr/>
+              <a:t>7</a:t>
+            </a:fld>
+            <a:endParaRPr lang="en-US" dirty="0"/>
+          </a:p>
+        </p:txBody>
+      </p:sp>
+      <p:sp>
+        <p:nvSpPr>
+          <p:cNvPr id="6" name="Fußzeilenplatzhalter 5"/>
+          <p:cNvSpPr>
+            <a:spLocks noGrp="1"/>
+          </p:cNvSpPr>
+          <p:nvPr>
+            <p:ph type="ftr" sz="quarter" idx="11"/>
+          </p:nvPr>
+        </p:nvSpPr>
+        <p:spPr/>
+        <p:txBody>
+          <a:bodyPr/>
+          <a:lstStyle/>
+          <a:p>
+            <a:r>
+              <a:rPr lang="de-DE" smtClean="0"/>
+              <a:t>Medida 2015 - Gruppe 12 - Sausage Pan - Endpräsentation</a:t>
+            </a:r>
+            <a:endParaRPr lang="en-US" dirty="0"/>
           </a:p>
         </p:txBody>
       </p:sp>
     </p:spTree>
     <p:extLst>
       <p:ext uri="{BB962C8B-B14F-4D97-AF65-F5344CB8AC3E}">
-        <p14:creationId xmlns:p14="http://schemas.microsoft.com/office/powerpoint/2010/main" val="3193696303"/>
+        <p14:creationId xmlns:p14="http://schemas.microsoft.com/office/powerpoint/2010/main" val="3119390769"/>
       </p:ext>
     </p:extLst>
   </p:cSld>
@@ -6565,12 +7818,12 @@
       </p:grpSpPr>
       <p:sp>
         <p:nvSpPr>
-          <p:cNvPr id="4" name="Titel 3"/>
-          <p:cNvSpPr>
-            <a:spLocks noGrp="1"/>
-          </p:cNvSpPr>
-          <p:nvPr>
-            <p:ph type="ctrTitle"/>
+          <p:cNvPr id="2" name="Titel 1"/>
+          <p:cNvSpPr>
+            <a:spLocks noGrp="1"/>
+          </p:cNvSpPr>
+          <p:nvPr>
+            <p:ph type="title"/>
           </p:nvPr>
         </p:nvSpPr>
         <p:spPr/>
@@ -6580,7 +7833,7 @@
           <a:p>
             <a:r>
               <a:rPr lang="de-DE" dirty="0" smtClean="0"/>
-              <a:t>Vielen Dank!</a:t>
+              <a:t>Didaktische Aspekte</a:t>
             </a:r>
             <a:endParaRPr lang="de-DE" dirty="0"/>
           </a:p>
@@ -6588,33 +7841,320 @@
       </p:sp>
       <p:sp>
         <p:nvSpPr>
-          <p:cNvPr id="5" name="Untertitel 4"/>
-          <p:cNvSpPr>
-            <a:spLocks noGrp="1"/>
-          </p:cNvSpPr>
-          <p:nvPr>
-            <p:ph type="subTitle" idx="1"/>
-          </p:nvPr>
-        </p:nvSpPr>
-        <p:spPr/>
-        <p:txBody>
-          <a:bodyPr/>
-          <a:lstStyle/>
-          <a:p>
-            <a:endParaRPr lang="de-DE"/>
+          <p:cNvPr id="3" name="Inhaltsplatzhalter 2"/>
+          <p:cNvSpPr>
+            <a:spLocks noGrp="1"/>
+          </p:cNvSpPr>
+          <p:nvPr>
+            <p:ph idx="1"/>
+          </p:nvPr>
+        </p:nvSpPr>
+        <p:spPr/>
+        <p:txBody>
+          <a:bodyPr>
+            <a:normAutofit fontScale="77500" lnSpcReduction="20000"/>
+          </a:bodyPr>
+          <a:lstStyle/>
+          <a:p>
+            <a:r>
+              <a:rPr lang="de-DE" dirty="0" smtClean="0"/>
+              <a:t>Motivation </a:t>
+            </a:r>
+          </a:p>
+          <a:p>
+            <a:pPr lvl="1"/>
+            <a:r>
+              <a:rPr lang="de-DE" dirty="0" smtClean="0"/>
+              <a:t>Intro erzeugt scheinbares „Problem“ – Interesse des Spielers an der Story</a:t>
+            </a:r>
+          </a:p>
+          <a:p>
+            <a:pPr lvl="1"/>
+            <a:r>
+              <a:rPr lang="de-DE" dirty="0" smtClean="0"/>
+              <a:t>Motte als ständiger Begleiter der ermuntert weiter zu spielen</a:t>
+            </a:r>
+          </a:p>
+          <a:p>
+            <a:pPr lvl="1"/>
+            <a:r>
+              <a:rPr lang="de-DE" dirty="0" err="1" smtClean="0"/>
+              <a:t>Achievements</a:t>
+            </a:r>
+            <a:r>
+              <a:rPr lang="de-DE" dirty="0" smtClean="0"/>
+              <a:t> in Form der Regenbogenfragmente im Inventar</a:t>
+            </a:r>
+          </a:p>
+          <a:p>
+            <a:r>
+              <a:rPr lang="de-DE" dirty="0" smtClean="0"/>
+              <a:t>Zielbestimmung</a:t>
+            </a:r>
+          </a:p>
+          <a:p>
+            <a:pPr lvl="1"/>
+            <a:r>
+              <a:rPr lang="de-DE" dirty="0" smtClean="0"/>
+              <a:t>Alle 7 Regenbogenteile sammeln, dies wird nach dem ersten Level erklärt</a:t>
+            </a:r>
+          </a:p>
+          <a:p>
+            <a:pPr lvl="1"/>
+            <a:r>
+              <a:rPr lang="de-DE" dirty="0" smtClean="0"/>
+              <a:t>Information über Lerninhalte in Hilfemenü &amp; </a:t>
+            </a:r>
+            <a:r>
+              <a:rPr lang="de-DE" dirty="0" err="1" smtClean="0"/>
+              <a:t>Minigames</a:t>
+            </a:r>
+            <a:endParaRPr lang="de-DE" dirty="0" smtClean="0"/>
+          </a:p>
+          <a:p>
+            <a:r>
+              <a:rPr lang="de-DE" dirty="0" smtClean="0"/>
+              <a:t>Feedback</a:t>
+            </a:r>
+          </a:p>
+          <a:p>
+            <a:pPr lvl="1"/>
+            <a:r>
+              <a:rPr lang="de-DE" dirty="0" smtClean="0"/>
+              <a:t>Stetiges Feedback zum Spielverlauf von der Motte</a:t>
+            </a:r>
+          </a:p>
+          <a:p>
+            <a:pPr lvl="1"/>
+            <a:r>
+              <a:rPr lang="de-DE" dirty="0" smtClean="0"/>
+              <a:t>Training: Wissensabfrage durch Quiz</a:t>
+            </a:r>
+          </a:p>
+          <a:p>
+            <a:r>
+              <a:rPr lang="de-DE" dirty="0" smtClean="0"/>
+              <a:t>Abschluss</a:t>
+            </a:r>
+          </a:p>
+          <a:p>
+            <a:pPr lvl="1"/>
+            <a:r>
+              <a:rPr lang="de-DE" dirty="0" smtClean="0"/>
+              <a:t>Abschließendes Level zur Wiederholung aller erlangter Fähigkeiten</a:t>
+            </a:r>
+          </a:p>
+          <a:p>
+            <a:pPr lvl="1"/>
+            <a:r>
+              <a:rPr lang="de-DE" dirty="0" err="1" smtClean="0"/>
+              <a:t>Outro</a:t>
+            </a:r>
+            <a:r>
+              <a:rPr lang="de-DE" dirty="0" smtClean="0"/>
+              <a:t> schließt Spiel mit positiver Empfindung ab</a:t>
+            </a:r>
+            <a:endParaRPr lang="de-DE" dirty="0"/>
+          </a:p>
+        </p:txBody>
+      </p:sp>
+      <p:sp>
+        <p:nvSpPr>
+          <p:cNvPr id="7" name="Foliennummernplatzhalter 6"/>
+          <p:cNvSpPr>
+            <a:spLocks noGrp="1"/>
+          </p:cNvSpPr>
+          <p:nvPr>
+            <p:ph type="sldNum" sz="quarter" idx="12"/>
+          </p:nvPr>
+        </p:nvSpPr>
+        <p:spPr/>
+        <p:txBody>
+          <a:bodyPr/>
+          <a:lstStyle/>
+          <a:p>
+            <a:fld id="{D57F1E4F-1CFF-5643-939E-217C01CDF565}" type="slidenum">
+              <a:rPr lang="en-US" smtClean="0"/>
+              <a:pPr/>
+              <a:t>8</a:t>
+            </a:fld>
+            <a:endParaRPr lang="en-US" dirty="0"/>
+          </a:p>
+        </p:txBody>
+      </p:sp>
+      <p:sp>
+        <p:nvSpPr>
+          <p:cNvPr id="8" name="Fußzeilenplatzhalter 7"/>
+          <p:cNvSpPr>
+            <a:spLocks noGrp="1"/>
+          </p:cNvSpPr>
+          <p:nvPr>
+            <p:ph type="ftr" sz="quarter" idx="11"/>
+          </p:nvPr>
+        </p:nvSpPr>
+        <p:spPr/>
+        <p:txBody>
+          <a:bodyPr/>
+          <a:lstStyle/>
+          <a:p>
+            <a:r>
+              <a:rPr lang="de-DE" smtClean="0"/>
+              <a:t>Medida 2015 - Gruppe 12 - Sausage Pan - Endpräsentation</a:t>
+            </a:r>
+            <a:endParaRPr lang="en-US" dirty="0"/>
           </a:p>
         </p:txBody>
       </p:sp>
     </p:spTree>
     <p:extLst>
       <p:ext uri="{BB962C8B-B14F-4D97-AF65-F5344CB8AC3E}">
-        <p14:creationId xmlns:p14="http://schemas.microsoft.com/office/powerpoint/2010/main" val="2859433217"/>
+        <p14:creationId xmlns:p14="http://schemas.microsoft.com/office/powerpoint/2010/main" val="1281742371"/>
       </p:ext>
     </p:extLst>
   </p:cSld>
   <p:clrMapOvr>
     <a:masterClrMapping/>
   </p:clrMapOvr>
+  <p:timing>
+    <p:tnLst>
+      <p:par>
+        <p:cTn id="1" dur="indefinite" restart="never" nodeType="tmRoot"/>
+      </p:par>
+    </p:tnLst>
+  </p:timing>
+</p:sld>
+</file>
+
+<file path=ppt/slides/slide9.xml><?xml version="1.0" encoding="utf-8"?>
+<p:sld xmlns:a="http://schemas.openxmlformats.org/drawingml/2006/main" xmlns:r="http://schemas.openxmlformats.org/officeDocument/2006/relationships" xmlns:p="http://schemas.openxmlformats.org/presentationml/2006/main">
+  <p:cSld>
+    <p:spTree>
+      <p:nvGrpSpPr>
+        <p:cNvPr id="1" name=""/>
+        <p:cNvGrpSpPr/>
+        <p:nvPr/>
+      </p:nvGrpSpPr>
+      <p:grpSpPr>
+        <a:xfrm>
+          <a:off x="0" y="0"/>
+          <a:ext cx="0" cy="0"/>
+          <a:chOff x="0" y="0"/>
+          <a:chExt cx="0" cy="0"/>
+        </a:xfrm>
+      </p:grpSpPr>
+      <p:sp>
+        <p:nvSpPr>
+          <p:cNvPr id="2" name="Titel 1"/>
+          <p:cNvSpPr>
+            <a:spLocks noGrp="1"/>
+          </p:cNvSpPr>
+          <p:nvPr>
+            <p:ph type="title"/>
+          </p:nvPr>
+        </p:nvSpPr>
+        <p:spPr/>
+        <p:txBody>
+          <a:bodyPr/>
+          <a:lstStyle/>
+          <a:p>
+            <a:r>
+              <a:rPr lang="de-DE" dirty="0" smtClean="0"/>
+              <a:t>Präsentation: Spiel</a:t>
+            </a:r>
+            <a:endParaRPr lang="de-DE" dirty="0"/>
+          </a:p>
+        </p:txBody>
+      </p:sp>
+      <p:sp>
+        <p:nvSpPr>
+          <p:cNvPr id="3" name="Inhaltsplatzhalter 2"/>
+          <p:cNvSpPr>
+            <a:spLocks noGrp="1"/>
+          </p:cNvSpPr>
+          <p:nvPr>
+            <p:ph idx="1"/>
+          </p:nvPr>
+        </p:nvSpPr>
+        <p:spPr/>
+        <p:txBody>
+          <a:bodyPr/>
+          <a:lstStyle/>
+          <a:p>
+            <a:pPr marL="0" indent="0">
+              <a:buNone/>
+            </a:pPr>
+            <a:r>
+              <a:rPr lang="de-DE" i="1" dirty="0" smtClean="0"/>
+              <a:t>Stellvertretend: Level 1</a:t>
+            </a:r>
+            <a:endParaRPr lang="de-DE" i="1" dirty="0"/>
+          </a:p>
+        </p:txBody>
+      </p:sp>
+      <p:sp>
+        <p:nvSpPr>
+          <p:cNvPr id="5" name="Foliennummernplatzhalter 4"/>
+          <p:cNvSpPr>
+            <a:spLocks noGrp="1"/>
+          </p:cNvSpPr>
+          <p:nvPr>
+            <p:ph type="sldNum" sz="quarter" idx="12"/>
+          </p:nvPr>
+        </p:nvSpPr>
+        <p:spPr/>
+        <p:txBody>
+          <a:bodyPr/>
+          <a:lstStyle/>
+          <a:p>
+            <a:fld id="{D57F1E4F-1CFF-5643-939E-217C01CDF565}" type="slidenum">
+              <a:rPr lang="en-US" smtClean="0"/>
+              <a:pPr/>
+              <a:t>9</a:t>
+            </a:fld>
+            <a:endParaRPr lang="en-US" dirty="0"/>
+          </a:p>
+        </p:txBody>
+      </p:sp>
+      <p:sp>
+        <p:nvSpPr>
+          <p:cNvPr id="6" name="Fußzeilenplatzhalter 5"/>
+          <p:cNvSpPr>
+            <a:spLocks noGrp="1"/>
+          </p:cNvSpPr>
+          <p:nvPr>
+            <p:ph type="ftr" sz="quarter" idx="11"/>
+          </p:nvPr>
+        </p:nvSpPr>
+        <p:spPr/>
+        <p:txBody>
+          <a:bodyPr/>
+          <a:lstStyle/>
+          <a:p>
+            <a:r>
+              <a:rPr lang="de-DE" smtClean="0"/>
+              <a:t>Medida 2015 - Gruppe 12 - Sausage Pan - Endpräsentation</a:t>
+            </a:r>
+            <a:endParaRPr lang="en-US" dirty="0"/>
+          </a:p>
+        </p:txBody>
+      </p:sp>
+    </p:spTree>
+    <p:extLst>
+      <p:ext uri="{BB962C8B-B14F-4D97-AF65-F5344CB8AC3E}">
+        <p14:creationId xmlns:p14="http://schemas.microsoft.com/office/powerpoint/2010/main" val="3193696303"/>
+      </p:ext>
+    </p:extLst>
+  </p:cSld>
+  <p:clrMapOvr>
+    <a:masterClrMapping/>
+  </p:clrMapOvr>
+  <p:timing>
+    <p:tnLst>
+      <p:par>
+        <p:cTn id="1" dur="indefinite" restart="never" nodeType="tmRoot"/>
+      </p:par>
+    </p:tnLst>
+  </p:timing>
 </p:sld>
 </file>
 
@@ -6873,4 +8413,265 @@
     </a:ext>
   </a:extLst>
 </a:theme>
+</file>
+
+<file path=ppt/theme/theme2.xml><?xml version="1.0" encoding="utf-8"?>
+<a:theme xmlns:a="http://schemas.openxmlformats.org/drawingml/2006/main" name="Office Theme">
+  <a:themeElements>
+    <a:clrScheme name="Office">
+      <a:dk1>
+        <a:sysClr val="windowText" lastClr="000000"/>
+      </a:dk1>
+      <a:lt1>
+        <a:sysClr val="window" lastClr="FFFFFF"/>
+      </a:lt1>
+      <a:dk2>
+        <a:srgbClr val="44546A"/>
+      </a:dk2>
+      <a:lt2>
+        <a:srgbClr val="E7E6E6"/>
+      </a:lt2>
+      <a:accent1>
+        <a:srgbClr val="5B9BD5"/>
+      </a:accent1>
+      <a:accent2>
+        <a:srgbClr val="ED7D31"/>
+      </a:accent2>
+      <a:accent3>
+        <a:srgbClr val="A5A5A5"/>
+      </a:accent3>
+      <a:accent4>
+        <a:srgbClr val="FFC000"/>
+      </a:accent4>
+      <a:accent5>
+        <a:srgbClr val="4472C4"/>
+      </a:accent5>
+      <a:accent6>
+        <a:srgbClr val="70AD47"/>
+      </a:accent6>
+      <a:hlink>
+        <a:srgbClr val="0563C1"/>
+      </a:hlink>
+      <a:folHlink>
+        <a:srgbClr val="954F72"/>
+      </a:folHlink>
+    </a:clrScheme>
+    <a:fontScheme name="Office">
+      <a:majorFont>
+        <a:latin typeface="Calibri Light" panose="020F0302020204030204"/>
+        <a:ea typeface=""/>
+        <a:cs typeface=""/>
+        <a:font script="Jpan" typeface="ＭＳ Ｐゴシック"/>
+        <a:font script="Hang" typeface="맑은 고딕"/>
+        <a:font script="Hans" typeface="宋体"/>
+        <a:font script="Hant" typeface="新細明體"/>
+        <a:font script="Arab" typeface="Times New Roman"/>
+        <a:font script="Hebr" typeface="Times New Roman"/>
+        <a:font script="Thai" typeface="Angsana New"/>
+        <a:font script="Ethi" typeface="Nyala"/>
+        <a:font script="Beng" typeface="Vrinda"/>
+        <a:font script="Gujr" typeface="Shruti"/>
+        <a:font script="Khmr" typeface="MoolBoran"/>
+        <a:font script="Knda" typeface="Tunga"/>
+        <a:font script="Guru" typeface="Raavi"/>
+        <a:font script="Cans" typeface="Euphemia"/>
+        <a:font script="Cher" typeface="Plantagenet Cherokee"/>
+        <a:font script="Yiii" typeface="Microsoft Yi Baiti"/>
+        <a:font script="Tibt" typeface="Microsoft Himalaya"/>
+        <a:font script="Thaa" typeface="MV Boli"/>
+        <a:font script="Deva" typeface="Mangal"/>
+        <a:font script="Telu" typeface="Gautami"/>
+        <a:font script="Taml" typeface="Latha"/>
+        <a:font script="Syrc" typeface="Estrangelo Edessa"/>
+        <a:font script="Orya" typeface="Kalinga"/>
+        <a:font script="Mlym" typeface="Kartika"/>
+        <a:font script="Laoo" typeface="DokChampa"/>
+        <a:font script="Sinh" typeface="Iskoola Pota"/>
+        <a:font script="Mong" typeface="Mongolian Baiti"/>
+        <a:font script="Viet" typeface="Times New Roman"/>
+        <a:font script="Uigh" typeface="Microsoft Uighur"/>
+        <a:font script="Geor" typeface="Sylfaen"/>
+      </a:majorFont>
+      <a:minorFont>
+        <a:latin typeface="Calibri" panose="020F0502020204030204"/>
+        <a:ea typeface=""/>
+        <a:cs typeface=""/>
+        <a:font script="Jpan" typeface="ＭＳ Ｐゴシック"/>
+        <a:font script="Hang" typeface="맑은 고딕"/>
+        <a:font script="Hans" typeface="宋体"/>
+        <a:font script="Hant" typeface="新細明體"/>
+        <a:font script="Arab" typeface="Arial"/>
+        <a:font script="Hebr" typeface="Arial"/>
+        <a:font script="Thai" typeface="Cordia New"/>
+        <a:font script="Ethi" typeface="Nyala"/>
+        <a:font script="Beng" typeface="Vrinda"/>
+        <a:font script="Gujr" typeface="Shruti"/>
+        <a:font script="Khmr" typeface="DaunPenh"/>
+        <a:font script="Knda" typeface="Tunga"/>
+        <a:font script="Guru" typeface="Raavi"/>
+        <a:font script="Cans" typeface="Euphemia"/>
+        <a:font script="Cher" typeface="Plantagenet Cherokee"/>
+        <a:font script="Yiii" typeface="Microsoft Yi Baiti"/>
+        <a:font script="Tibt" typeface="Microsoft Himalaya"/>
+        <a:font script="Thaa" typeface="MV Boli"/>
+        <a:font script="Deva" typeface="Mangal"/>
+        <a:font script="Telu" typeface="Gautami"/>
+        <a:font script="Taml" typeface="Latha"/>
+        <a:font script="Syrc" typeface="Estrangelo Edessa"/>
+        <a:font script="Orya" typeface="Kalinga"/>
+        <a:font script="Mlym" typeface="Kartika"/>
+        <a:font script="Laoo" typeface="DokChampa"/>
+        <a:font script="Sinh" typeface="Iskoola Pota"/>
+        <a:font script="Mong" typeface="Mongolian Baiti"/>
+        <a:font script="Viet" typeface="Arial"/>
+        <a:font script="Uigh" typeface="Microsoft Uighur"/>
+        <a:font script="Geor" typeface="Sylfaen"/>
+      </a:minorFont>
+    </a:fontScheme>
+    <a:fmtScheme name="Office">
+      <a:fillStyleLst>
+        <a:solidFill>
+          <a:schemeClr val="phClr"/>
+        </a:solidFill>
+        <a:gradFill rotWithShape="1">
+          <a:gsLst>
+            <a:gs pos="0">
+              <a:schemeClr val="phClr">
+                <a:lumMod val="110000"/>
+                <a:satMod val="105000"/>
+                <a:tint val="67000"/>
+              </a:schemeClr>
+            </a:gs>
+            <a:gs pos="50000">
+              <a:schemeClr val="phClr">
+                <a:lumMod val="105000"/>
+                <a:satMod val="103000"/>
+                <a:tint val="73000"/>
+              </a:schemeClr>
+            </a:gs>
+            <a:gs pos="100000">
+              <a:schemeClr val="phClr">
+                <a:lumMod val="105000"/>
+                <a:satMod val="109000"/>
+                <a:tint val="81000"/>
+              </a:schemeClr>
+            </a:gs>
+          </a:gsLst>
+          <a:lin ang="5400000" scaled="0"/>
+        </a:gradFill>
+        <a:gradFill rotWithShape="1">
+          <a:gsLst>
+            <a:gs pos="0">
+              <a:schemeClr val="phClr">
+                <a:satMod val="103000"/>
+                <a:lumMod val="102000"/>
+                <a:tint val="94000"/>
+              </a:schemeClr>
+            </a:gs>
+            <a:gs pos="50000">
+              <a:schemeClr val="phClr">
+                <a:satMod val="110000"/>
+                <a:lumMod val="100000"/>
+                <a:shade val="100000"/>
+              </a:schemeClr>
+            </a:gs>
+            <a:gs pos="100000">
+              <a:schemeClr val="phClr">
+                <a:lumMod val="99000"/>
+                <a:satMod val="120000"/>
+                <a:shade val="78000"/>
+              </a:schemeClr>
+            </a:gs>
+          </a:gsLst>
+          <a:lin ang="5400000" scaled="0"/>
+        </a:gradFill>
+      </a:fillStyleLst>
+      <a:lnStyleLst>
+        <a:ln w="6350" cap="flat" cmpd="sng" algn="ctr">
+          <a:solidFill>
+            <a:schemeClr val="phClr"/>
+          </a:solidFill>
+          <a:prstDash val="solid"/>
+          <a:miter lim="800000"/>
+        </a:ln>
+        <a:ln w="12700" cap="flat" cmpd="sng" algn="ctr">
+          <a:solidFill>
+            <a:schemeClr val="phClr"/>
+          </a:solidFill>
+          <a:prstDash val="solid"/>
+          <a:miter lim="800000"/>
+        </a:ln>
+        <a:ln w="19050" cap="flat" cmpd="sng" algn="ctr">
+          <a:solidFill>
+            <a:schemeClr val="phClr"/>
+          </a:solidFill>
+          <a:prstDash val="solid"/>
+          <a:miter lim="800000"/>
+        </a:ln>
+      </a:lnStyleLst>
+      <a:effectStyleLst>
+        <a:effectStyle>
+          <a:effectLst/>
+        </a:effectStyle>
+        <a:effectStyle>
+          <a:effectLst/>
+        </a:effectStyle>
+        <a:effectStyle>
+          <a:effectLst>
+            <a:outerShdw blurRad="57150" dist="19050" dir="5400000" algn="ctr" rotWithShape="0">
+              <a:srgbClr val="000000">
+                <a:alpha val="63000"/>
+              </a:srgbClr>
+            </a:outerShdw>
+          </a:effectLst>
+        </a:effectStyle>
+      </a:effectStyleLst>
+      <a:bgFillStyleLst>
+        <a:solidFill>
+          <a:schemeClr val="phClr"/>
+        </a:solidFill>
+        <a:solidFill>
+          <a:schemeClr val="phClr">
+            <a:tint val="95000"/>
+            <a:satMod val="170000"/>
+          </a:schemeClr>
+        </a:solidFill>
+        <a:gradFill rotWithShape="1">
+          <a:gsLst>
+            <a:gs pos="0">
+              <a:schemeClr val="phClr">
+                <a:tint val="93000"/>
+                <a:satMod val="150000"/>
+                <a:shade val="98000"/>
+                <a:lumMod val="102000"/>
+              </a:schemeClr>
+            </a:gs>
+            <a:gs pos="50000">
+              <a:schemeClr val="phClr">
+                <a:tint val="98000"/>
+                <a:satMod val="130000"/>
+                <a:shade val="90000"/>
+                <a:lumMod val="103000"/>
+              </a:schemeClr>
+            </a:gs>
+            <a:gs pos="100000">
+              <a:schemeClr val="phClr">
+                <a:shade val="63000"/>
+                <a:satMod val="120000"/>
+              </a:schemeClr>
+            </a:gs>
+          </a:gsLst>
+          <a:lin ang="5400000" scaled="0"/>
+        </a:gradFill>
+      </a:bgFillStyleLst>
+    </a:fmtScheme>
+  </a:themeElements>
+  <a:objectDefaults/>
+  <a:extraClrSchemeLst/>
+  <a:extLst>
+    <a:ext uri="{05A4C25C-085E-4340-85A3-A5531E510DB2}">
+      <thm15:themeFamily xmlns:thm15="http://schemas.microsoft.com/office/thememl/2012/main" name="Office Theme" id="{62F939B6-93AF-4DB8-9C6B-D6C7DFDC589F}" vid="{4A3C46E8-61CC-4603-A589-7422A47A8E4A}"/>
+    </a:ext>
+  </a:extLst>
+</a:theme>
 </file>
--- a/Präsentation/Sausage Pan.pptx
+++ b/Präsentation/Sausage Pan.pptx
@@ -5,7 +5,7 @@
     <p:sldMasterId id="2147483648" r:id="rId1"/>
   </p:sldMasterIdLst>
   <p:notesMasterIdLst>
-    <p:notesMasterId r:id="rId12"/>
+    <p:notesMasterId r:id="rId14"/>
   </p:notesMasterIdLst>
   <p:sldIdLst>
     <p:sldId id="256" r:id="rId2"/>
@@ -16,8 +16,10 @@
     <p:sldId id="265" r:id="rId7"/>
     <p:sldId id="263" r:id="rId8"/>
     <p:sldId id="259" r:id="rId9"/>
-    <p:sldId id="261" r:id="rId10"/>
-    <p:sldId id="262" r:id="rId11"/>
+    <p:sldId id="266" r:id="rId10"/>
+    <p:sldId id="267" r:id="rId11"/>
+    <p:sldId id="261" r:id="rId12"/>
+    <p:sldId id="262" r:id="rId13"/>
   </p:sldIdLst>
   <p:sldSz cx="12192000" cy="6858000"/>
   <p:notesSz cx="6858000" cy="9144000"/>
@@ -206,7 +208,7 @@
           <a:p>
             <a:fld id="{B936558A-B207-4F8C-A8BA-D72BE24D18E1}" type="datetimeFigureOut">
               <a:rPr lang="de-DE" smtClean="0"/>
-              <a:t>18.07.2015</a:t>
+              <a:t>21.07.2015</a:t>
             </a:fld>
             <a:endParaRPr lang="de-DE"/>
           </a:p>
@@ -1448,7 +1450,7 @@
           <a:p>
             <a:fld id="{31FCEFEB-A8A1-4DD7-AB3E-4BCF962650F0}" type="datetime1">
               <a:rPr lang="de-DE" smtClean="0"/>
-              <a:t>18.07.2015</a:t>
+              <a:t>21.07.2015</a:t>
             </a:fld>
             <a:endParaRPr lang="en-US" dirty="0"/>
           </a:p>
@@ -1699,7 +1701,7 @@
           <a:p>
             <a:fld id="{CB7A0BE1-84B9-4C34-A6F7-3A2AC7BD2B06}" type="datetime1">
               <a:rPr lang="de-DE" smtClean="0"/>
-              <a:t>18.07.2015</a:t>
+              <a:t>21.07.2015</a:t>
             </a:fld>
             <a:endParaRPr lang="en-US" dirty="0"/>
           </a:p>
@@ -2013,7 +2015,7 @@
           <a:p>
             <a:fld id="{7A190281-2F4F-4842-AAAA-FB83391B941E}" type="datetime1">
               <a:rPr lang="de-DE" smtClean="0"/>
-              <a:t>18.07.2015</a:t>
+              <a:t>21.07.2015</a:t>
             </a:fld>
             <a:endParaRPr lang="en-US" dirty="0"/>
           </a:p>
@@ -2354,7 +2356,7 @@
           <a:p>
             <a:fld id="{2CCE1BDA-B7F4-4282-B0A2-353042DA85F2}" type="datetime1">
               <a:rPr lang="de-DE" smtClean="0"/>
-              <a:t>18.07.2015</a:t>
+              <a:t>21.07.2015</a:t>
             </a:fld>
             <a:endParaRPr lang="en-US" dirty="0"/>
           </a:p>
@@ -2668,7 +2670,7 @@
           <a:p>
             <a:fld id="{371917A4-1333-4394-8A14-1615CAB3D4C3}" type="datetime1">
               <a:rPr lang="de-DE" smtClean="0"/>
-              <a:t>18.07.2015</a:t>
+              <a:t>21.07.2015</a:t>
             </a:fld>
             <a:endParaRPr lang="en-US" dirty="0"/>
           </a:p>
@@ -3061,7 +3063,7 @@
           <a:p>
             <a:fld id="{5334ACE5-ADD5-4372-A2FC-1957F4B67D62}" type="datetime1">
               <a:rPr lang="de-DE" smtClean="0"/>
-              <a:t>18.07.2015</a:t>
+              <a:t>21.07.2015</a:t>
             </a:fld>
             <a:endParaRPr lang="en-US" dirty="0"/>
           </a:p>
@@ -3231,7 +3233,7 @@
           <a:p>
             <a:fld id="{E73499A9-46CB-4120-8E7C-D054C042CA63}" type="datetime1">
               <a:rPr lang="de-DE" smtClean="0"/>
-              <a:t>18.07.2015</a:t>
+              <a:t>21.07.2015</a:t>
             </a:fld>
             <a:endParaRPr lang="en-US" dirty="0"/>
           </a:p>
@@ -3410,7 +3412,7 @@
           <a:p>
             <a:fld id="{6BE994CF-CACA-43D9-9E60-CF82976F67DC}" type="datetime1">
               <a:rPr lang="de-DE" smtClean="0"/>
-              <a:t>18.07.2015</a:t>
+              <a:t>21.07.2015</a:t>
             </a:fld>
             <a:endParaRPr lang="en-US" dirty="0"/>
           </a:p>
@@ -3586,7 +3588,7 @@
           <a:p>
             <a:fld id="{E99BDA1E-7374-4683-8C3C-9B4D7F38B087}" type="datetime1">
               <a:rPr lang="de-DE" smtClean="0"/>
-              <a:t>18.07.2015</a:t>
+              <a:t>21.07.2015</a:t>
             </a:fld>
             <a:endParaRPr lang="en-US" dirty="0"/>
           </a:p>
@@ -3833,7 +3835,7 @@
           <a:p>
             <a:fld id="{8E9448E2-927C-4B2A-96AC-BE5535E8FC2F}" type="datetime1">
               <a:rPr lang="de-DE" smtClean="0"/>
-              <a:t>18.07.2015</a:t>
+              <a:t>21.07.2015</a:t>
             </a:fld>
             <a:endParaRPr lang="en-US" dirty="0"/>
           </a:p>
@@ -4065,7 +4067,7 @@
           <a:p>
             <a:fld id="{4747CEFC-AB71-4EED-BD60-FF3325A08951}" type="datetime1">
               <a:rPr lang="de-DE" smtClean="0"/>
-              <a:t>18.07.2015</a:t>
+              <a:t>21.07.2015</a:t>
             </a:fld>
             <a:endParaRPr lang="en-US" dirty="0"/>
           </a:p>
@@ -4438,7 +4440,7 @@
           <a:p>
             <a:fld id="{E2B5B159-9409-46CC-A130-7C70835A2A83}" type="datetime1">
               <a:rPr lang="de-DE" smtClean="0"/>
-              <a:t>18.07.2015</a:t>
+              <a:t>21.07.2015</a:t>
             </a:fld>
             <a:endParaRPr lang="en-US" dirty="0"/>
           </a:p>
@@ -4561,7 +4563,7 @@
           <a:p>
             <a:fld id="{8EDDDB6E-15E4-4385-890B-4832F0244ED4}" type="datetime1">
               <a:rPr lang="de-DE" smtClean="0"/>
-              <a:t>18.07.2015</a:t>
+              <a:t>21.07.2015</a:t>
             </a:fld>
             <a:endParaRPr lang="en-US" dirty="0"/>
           </a:p>
@@ -4656,7 +4658,7 @@
           <a:p>
             <a:fld id="{80FA366A-CD0D-415B-AE6A-23A7BEF577F4}" type="datetime1">
               <a:rPr lang="de-DE" smtClean="0"/>
-              <a:t>18.07.2015</a:t>
+              <a:t>21.07.2015</a:t>
             </a:fld>
             <a:endParaRPr lang="en-US" dirty="0"/>
           </a:p>
@@ -4911,7 +4913,7 @@
           <a:p>
             <a:fld id="{5169DCD0-3DB0-40C0-90BF-0FD15BB70279}" type="datetime1">
               <a:rPr lang="de-DE" smtClean="0"/>
-              <a:t>18.07.2015</a:t>
+              <a:t>21.07.2015</a:t>
             </a:fld>
             <a:endParaRPr lang="en-US" dirty="0"/>
           </a:p>
@@ -5173,7 +5175,7 @@
           <a:p>
             <a:fld id="{90ADC388-FADB-4FB4-931E-8652B17B7C77}" type="datetime1">
               <a:rPr lang="de-DE" smtClean="0"/>
-              <a:t>18.07.2015</a:t>
+              <a:t>21.07.2015</a:t>
             </a:fld>
             <a:endParaRPr lang="en-US" dirty="0"/>
           </a:p>
@@ -5916,7 +5918,7 @@
           <a:p>
             <a:fld id="{8460C403-F25F-43FC-9AEA-9666D9FBBB42}" type="datetime1">
               <a:rPr lang="de-DE" smtClean="0"/>
-              <a:t>18.07.2015</a:t>
+              <a:t>21.07.2015</a:t>
             </a:fld>
             <a:endParaRPr lang="en-US" dirty="0"/>
           </a:p>
@@ -6620,12 +6622,12 @@
       </p:grpSpPr>
       <p:sp>
         <p:nvSpPr>
-          <p:cNvPr id="4" name="Titel 3"/>
-          <p:cNvSpPr>
-            <a:spLocks noGrp="1"/>
-          </p:cNvSpPr>
-          <p:nvPr>
-            <p:ph type="ctrTitle"/>
+          <p:cNvPr id="2" name="Titel 1"/>
+          <p:cNvSpPr>
+            <a:spLocks noGrp="1"/>
+          </p:cNvSpPr>
+          <p:nvPr>
+            <p:ph type="title"/>
           </p:nvPr>
         </p:nvSpPr>
         <p:spPr/>
@@ -6635,7 +6637,7 @@
           <a:p>
             <a:r>
               <a:rPr lang="de-DE" dirty="0" smtClean="0"/>
-              <a:t>Vielen Dank!</a:t>
+              <a:t>Motivation</a:t>
             </a:r>
             <a:endParaRPr lang="de-DE" dirty="0"/>
           </a:p>
@@ -6643,26 +6645,182 @@
       </p:sp>
       <p:sp>
         <p:nvSpPr>
-          <p:cNvPr id="5" name="Untertitel 4"/>
-          <p:cNvSpPr>
-            <a:spLocks noGrp="1"/>
-          </p:cNvSpPr>
-          <p:nvPr>
-            <p:ph type="subTitle" idx="1"/>
-          </p:nvPr>
-        </p:nvSpPr>
-        <p:spPr/>
-        <p:txBody>
-          <a:bodyPr/>
-          <a:lstStyle/>
-          <a:p>
-            <a:endParaRPr lang="de-DE"/>
-          </a:p>
-        </p:txBody>
-      </p:sp>
-      <p:sp>
-        <p:nvSpPr>
-          <p:cNvPr id="3" name="Foliennummernplatzhalter 2"/>
+          <p:cNvPr id="3" name="Inhaltsplatzhalter 2"/>
+          <p:cNvSpPr>
+            <a:spLocks noGrp="1"/>
+          </p:cNvSpPr>
+          <p:nvPr>
+            <p:ph idx="1"/>
+          </p:nvPr>
+        </p:nvSpPr>
+        <p:spPr>
+          <a:xfrm>
+            <a:off x="677334" y="1578634"/>
+            <a:ext cx="8596668" cy="4462729"/>
+          </a:xfrm>
+        </p:spPr>
+        <p:txBody>
+          <a:bodyPr>
+            <a:normAutofit fontScale="77500" lnSpcReduction="20000"/>
+          </a:bodyPr>
+          <a:lstStyle/>
+          <a:p>
+            <a:r>
+              <a:rPr lang="de-DE" dirty="0" smtClean="0"/>
+              <a:t>Reale Welt</a:t>
+            </a:r>
+          </a:p>
+          <a:p>
+            <a:pPr lvl="1"/>
+            <a:r>
+              <a:rPr lang="de-DE" dirty="0" smtClean="0"/>
+              <a:t>Mit Wasserfarben</a:t>
+            </a:r>
+          </a:p>
+          <a:p>
+            <a:pPr lvl="2"/>
+            <a:r>
+              <a:rPr lang="de-DE" dirty="0" smtClean="0"/>
+              <a:t>Farben selber mischen und Ergebnisse sehen</a:t>
+            </a:r>
+          </a:p>
+          <a:p>
+            <a:pPr lvl="2"/>
+            <a:r>
+              <a:rPr lang="de-DE" dirty="0" smtClean="0"/>
+              <a:t>Verwendung in selbstgemalte Bildern</a:t>
+            </a:r>
+            <a:endParaRPr lang="de-DE" dirty="0"/>
+          </a:p>
+          <a:p>
+            <a:pPr lvl="1"/>
+            <a:r>
+              <a:rPr lang="de-DE" dirty="0" smtClean="0"/>
+              <a:t>Mit Taschenlampen</a:t>
+            </a:r>
+          </a:p>
+          <a:p>
+            <a:pPr lvl="2"/>
+            <a:r>
+              <a:rPr lang="de-DE" dirty="0" smtClean="0"/>
+              <a:t>Farbige Lampen an weiße Wänden halten</a:t>
+            </a:r>
+          </a:p>
+          <a:p>
+            <a:pPr lvl="2"/>
+            <a:r>
+              <a:rPr lang="de-DE" dirty="0" smtClean="0"/>
+              <a:t>Überlagern von Lichtstrahlen erzeugen neue Farben</a:t>
+            </a:r>
+            <a:endParaRPr lang="de-DE" dirty="0"/>
+          </a:p>
+          <a:p>
+            <a:r>
+              <a:rPr lang="de-DE" dirty="0" smtClean="0"/>
+              <a:t>Lernspiel</a:t>
+            </a:r>
+          </a:p>
+          <a:p>
+            <a:pPr lvl="1"/>
+            <a:r>
+              <a:rPr lang="de-DE" dirty="0" smtClean="0"/>
+              <a:t>Weltkarte</a:t>
+            </a:r>
+          </a:p>
+          <a:p>
+            <a:pPr lvl="2"/>
+            <a:r>
+              <a:rPr lang="de-DE" dirty="0" smtClean="0"/>
+              <a:t>Neues Level freigeschaltet wenn vorheriges erfolgreich bestanden</a:t>
+            </a:r>
+          </a:p>
+          <a:p>
+            <a:pPr lvl="1"/>
+            <a:r>
+              <a:rPr lang="de-DE" dirty="0" smtClean="0"/>
+              <a:t>Quiz</a:t>
+            </a:r>
+          </a:p>
+          <a:p>
+            <a:pPr lvl="2"/>
+            <a:r>
+              <a:rPr lang="de-DE" dirty="0" smtClean="0"/>
+              <a:t>Level 6 nur spielbar wenn Quiz beantwortet</a:t>
+            </a:r>
+          </a:p>
+          <a:p>
+            <a:pPr lvl="2"/>
+            <a:r>
+              <a:rPr lang="de-DE" dirty="0" smtClean="0"/>
+              <a:t>Spieler motiviert sich selbst dazu</a:t>
+            </a:r>
+          </a:p>
+          <a:p>
+            <a:pPr lvl="3"/>
+            <a:r>
+              <a:rPr lang="de-DE" dirty="0" smtClean="0"/>
+              <a:t>Neugierde wegen dem Verlauf der Geschichte</a:t>
+            </a:r>
+          </a:p>
+          <a:p>
+            <a:pPr marL="914400" lvl="2" indent="0">
+              <a:buNone/>
+            </a:pPr>
+            <a:r>
+              <a:rPr lang="de-DE" dirty="0" smtClean="0"/>
+              <a:t>Falsche Antworten</a:t>
+            </a:r>
+          </a:p>
+          <a:p>
+            <a:pPr lvl="3"/>
+            <a:r>
+              <a:rPr lang="de-DE" dirty="0" smtClean="0"/>
+              <a:t>Fehler merken und zuständiges Level erneut spielen</a:t>
+            </a:r>
+          </a:p>
+          <a:p>
+            <a:pPr lvl="3"/>
+            <a:r>
+              <a:rPr lang="de-DE" dirty="0" smtClean="0"/>
+              <a:t>Wiederholen, bis man richtige Antwort hat</a:t>
+            </a:r>
+          </a:p>
+          <a:p>
+            <a:pPr lvl="2"/>
+            <a:endParaRPr lang="de-DE" dirty="0" smtClean="0"/>
+          </a:p>
+          <a:p>
+            <a:pPr lvl="1"/>
+            <a:endParaRPr lang="de-DE" dirty="0" smtClean="0"/>
+          </a:p>
+        </p:txBody>
+      </p:sp>
+      <p:sp>
+        <p:nvSpPr>
+          <p:cNvPr id="4" name="Fußzeilenplatzhalter 3"/>
+          <p:cNvSpPr>
+            <a:spLocks noGrp="1"/>
+          </p:cNvSpPr>
+          <p:nvPr>
+            <p:ph type="ftr" sz="quarter" idx="11"/>
+          </p:nvPr>
+        </p:nvSpPr>
+        <p:spPr/>
+        <p:txBody>
+          <a:bodyPr/>
+          <a:lstStyle/>
+          <a:p>
+            <a:r>
+              <a:rPr lang="de-DE" smtClean="0"/>
+              <a:t>Medida 2015 - Gruppe 12 - Sausage Pan - Endpräsentation</a:t>
+            </a:r>
+            <a:endParaRPr lang="en-US" dirty="0"/>
+          </a:p>
+        </p:txBody>
+      </p:sp>
+      <p:sp>
+        <p:nvSpPr>
+          <p:cNvPr id="5" name="Foliennummernplatzhalter 4"/>
           <p:cNvSpPr>
             <a:spLocks noGrp="1"/>
           </p:cNvSpPr>
@@ -6679,6 +6837,259 @@
               <a:rPr lang="en-US" smtClean="0"/>
               <a:pPr/>
               <a:t>10</a:t>
+            </a:fld>
+            <a:endParaRPr lang="en-US" dirty="0"/>
+          </a:p>
+        </p:txBody>
+      </p:sp>
+      <p:pic>
+        <p:nvPicPr>
+          <p:cNvPr id="7" name="Grafik 6"/>
+          <p:cNvPicPr>
+            <a:picLocks noChangeAspect="1"/>
+          </p:cNvPicPr>
+          <p:nvPr/>
+        </p:nvPicPr>
+        <p:blipFill>
+          <a:blip r:embed="rId2"/>
+          <a:stretch>
+            <a:fillRect/>
+          </a:stretch>
+        </p:blipFill>
+        <p:spPr>
+          <a:xfrm>
+            <a:off x="6252908" y="2191561"/>
+            <a:ext cx="5358848" cy="3365284"/>
+          </a:xfrm>
+          <a:prstGeom prst="rect">
+            <a:avLst/>
+          </a:prstGeom>
+        </p:spPr>
+      </p:pic>
+    </p:spTree>
+    <p:extLst>
+      <p:ext uri="{BB962C8B-B14F-4D97-AF65-F5344CB8AC3E}">
+        <p14:creationId xmlns:p14="http://schemas.microsoft.com/office/powerpoint/2010/main" val="1192746778"/>
+      </p:ext>
+    </p:extLst>
+  </p:cSld>
+  <p:clrMapOvr>
+    <a:masterClrMapping/>
+  </p:clrMapOvr>
+</p:sld>
+</file>
+
+<file path=ppt/slides/slide11.xml><?xml version="1.0" encoding="utf-8"?>
+<p:sld xmlns:a="http://schemas.openxmlformats.org/drawingml/2006/main" xmlns:r="http://schemas.openxmlformats.org/officeDocument/2006/relationships" xmlns:p="http://schemas.openxmlformats.org/presentationml/2006/main">
+  <p:cSld>
+    <p:spTree>
+      <p:nvGrpSpPr>
+        <p:cNvPr id="1" name=""/>
+        <p:cNvGrpSpPr/>
+        <p:nvPr/>
+      </p:nvGrpSpPr>
+      <p:grpSpPr>
+        <a:xfrm>
+          <a:off x="0" y="0"/>
+          <a:ext cx="0" cy="0"/>
+          <a:chOff x="0" y="0"/>
+          <a:chExt cx="0" cy="0"/>
+        </a:xfrm>
+      </p:grpSpPr>
+      <p:sp>
+        <p:nvSpPr>
+          <p:cNvPr id="2" name="Titel 1"/>
+          <p:cNvSpPr>
+            <a:spLocks noGrp="1"/>
+          </p:cNvSpPr>
+          <p:nvPr>
+            <p:ph type="title"/>
+          </p:nvPr>
+        </p:nvSpPr>
+        <p:spPr/>
+        <p:txBody>
+          <a:bodyPr/>
+          <a:lstStyle/>
+          <a:p>
+            <a:r>
+              <a:rPr lang="de-DE" dirty="0" smtClean="0"/>
+              <a:t>Präsentation: Spiel</a:t>
+            </a:r>
+            <a:endParaRPr lang="de-DE" dirty="0"/>
+          </a:p>
+        </p:txBody>
+      </p:sp>
+      <p:sp>
+        <p:nvSpPr>
+          <p:cNvPr id="3" name="Inhaltsplatzhalter 2"/>
+          <p:cNvSpPr>
+            <a:spLocks noGrp="1"/>
+          </p:cNvSpPr>
+          <p:nvPr>
+            <p:ph idx="1"/>
+          </p:nvPr>
+        </p:nvSpPr>
+        <p:spPr/>
+        <p:txBody>
+          <a:bodyPr/>
+          <a:lstStyle/>
+          <a:p>
+            <a:pPr marL="0" indent="0">
+              <a:buNone/>
+            </a:pPr>
+            <a:r>
+              <a:rPr lang="de-DE" i="1" dirty="0" smtClean="0"/>
+              <a:t>Stellvertretend: Level 1</a:t>
+            </a:r>
+            <a:endParaRPr lang="de-DE" i="1" dirty="0"/>
+          </a:p>
+        </p:txBody>
+      </p:sp>
+      <p:sp>
+        <p:nvSpPr>
+          <p:cNvPr id="5" name="Foliennummernplatzhalter 4"/>
+          <p:cNvSpPr>
+            <a:spLocks noGrp="1"/>
+          </p:cNvSpPr>
+          <p:nvPr>
+            <p:ph type="sldNum" sz="quarter" idx="12"/>
+          </p:nvPr>
+        </p:nvSpPr>
+        <p:spPr/>
+        <p:txBody>
+          <a:bodyPr/>
+          <a:lstStyle/>
+          <a:p>
+            <a:fld id="{D57F1E4F-1CFF-5643-939E-217C01CDF565}" type="slidenum">
+              <a:rPr lang="en-US" smtClean="0"/>
+              <a:pPr/>
+              <a:t>11</a:t>
+            </a:fld>
+            <a:endParaRPr lang="en-US" dirty="0"/>
+          </a:p>
+        </p:txBody>
+      </p:sp>
+      <p:sp>
+        <p:nvSpPr>
+          <p:cNvPr id="6" name="Fußzeilenplatzhalter 5"/>
+          <p:cNvSpPr>
+            <a:spLocks noGrp="1"/>
+          </p:cNvSpPr>
+          <p:nvPr>
+            <p:ph type="ftr" sz="quarter" idx="11"/>
+          </p:nvPr>
+        </p:nvSpPr>
+        <p:spPr/>
+        <p:txBody>
+          <a:bodyPr/>
+          <a:lstStyle/>
+          <a:p>
+            <a:r>
+              <a:rPr lang="de-DE" smtClean="0"/>
+              <a:t>Medida 2015 - Gruppe 12 - Sausage Pan - Endpräsentation</a:t>
+            </a:r>
+            <a:endParaRPr lang="en-US" dirty="0"/>
+          </a:p>
+        </p:txBody>
+      </p:sp>
+    </p:spTree>
+    <p:extLst>
+      <p:ext uri="{BB962C8B-B14F-4D97-AF65-F5344CB8AC3E}">
+        <p14:creationId xmlns:p14="http://schemas.microsoft.com/office/powerpoint/2010/main" val="3193696303"/>
+      </p:ext>
+    </p:extLst>
+  </p:cSld>
+  <p:clrMapOvr>
+    <a:masterClrMapping/>
+  </p:clrMapOvr>
+  <p:timing>
+    <p:tnLst>
+      <p:par>
+        <p:cTn id="1" dur="indefinite" restart="never" nodeType="tmRoot"/>
+      </p:par>
+    </p:tnLst>
+  </p:timing>
+</p:sld>
+</file>
+
+<file path=ppt/slides/slide12.xml><?xml version="1.0" encoding="utf-8"?>
+<p:sld xmlns:a="http://schemas.openxmlformats.org/drawingml/2006/main" xmlns:r="http://schemas.openxmlformats.org/officeDocument/2006/relationships" xmlns:p="http://schemas.openxmlformats.org/presentationml/2006/main">
+  <p:cSld>
+    <p:spTree>
+      <p:nvGrpSpPr>
+        <p:cNvPr id="1" name=""/>
+        <p:cNvGrpSpPr/>
+        <p:nvPr/>
+      </p:nvGrpSpPr>
+      <p:grpSpPr>
+        <a:xfrm>
+          <a:off x="0" y="0"/>
+          <a:ext cx="0" cy="0"/>
+          <a:chOff x="0" y="0"/>
+          <a:chExt cx="0" cy="0"/>
+        </a:xfrm>
+      </p:grpSpPr>
+      <p:sp>
+        <p:nvSpPr>
+          <p:cNvPr id="4" name="Titel 3"/>
+          <p:cNvSpPr>
+            <a:spLocks noGrp="1"/>
+          </p:cNvSpPr>
+          <p:nvPr>
+            <p:ph type="ctrTitle"/>
+          </p:nvPr>
+        </p:nvSpPr>
+        <p:spPr/>
+        <p:txBody>
+          <a:bodyPr/>
+          <a:lstStyle/>
+          <a:p>
+            <a:r>
+              <a:rPr lang="de-DE" dirty="0" smtClean="0"/>
+              <a:t>Vielen Dank!</a:t>
+            </a:r>
+            <a:endParaRPr lang="de-DE" dirty="0"/>
+          </a:p>
+        </p:txBody>
+      </p:sp>
+      <p:sp>
+        <p:nvSpPr>
+          <p:cNvPr id="5" name="Untertitel 4"/>
+          <p:cNvSpPr>
+            <a:spLocks noGrp="1"/>
+          </p:cNvSpPr>
+          <p:nvPr>
+            <p:ph type="subTitle" idx="1"/>
+          </p:nvPr>
+        </p:nvSpPr>
+        <p:spPr/>
+        <p:txBody>
+          <a:bodyPr/>
+          <a:lstStyle/>
+          <a:p>
+            <a:endParaRPr lang="de-DE"/>
+          </a:p>
+        </p:txBody>
+      </p:sp>
+      <p:sp>
+        <p:nvSpPr>
+          <p:cNvPr id="3" name="Foliennummernplatzhalter 2"/>
+          <p:cNvSpPr>
+            <a:spLocks noGrp="1"/>
+          </p:cNvSpPr>
+          <p:nvPr>
+            <p:ph type="sldNum" sz="quarter" idx="12"/>
+          </p:nvPr>
+        </p:nvSpPr>
+        <p:spPr/>
+        <p:txBody>
+          <a:bodyPr/>
+          <a:lstStyle/>
+          <a:p>
+            <a:fld id="{D57F1E4F-1CFF-5643-939E-217C01CDF565}" type="slidenum">
+              <a:rPr lang="en-US" smtClean="0"/>
+              <a:pPr/>
+              <a:t>12</a:t>
             </a:fld>
             <a:endParaRPr lang="en-US" dirty="0"/>
           </a:p>
@@ -6997,7 +7408,6 @@
               <a:rPr lang="de-DE" dirty="0" smtClean="0"/>
               <a:t>Durch ein Missgeschick einer Motte zerbrach der Regenbogen und die Welt wurde grau</a:t>
             </a:r>
-            <a:endParaRPr lang="de-DE" dirty="0" smtClean="0"/>
           </a:p>
           <a:p>
             <a:pPr lvl="1"/>
@@ -7005,28 +7415,19 @@
               <a:rPr lang="de-DE" dirty="0" smtClean="0"/>
               <a:t>Spieler übernimmt die Rolle einer kleinen namenlosen Figur</a:t>
             </a:r>
-            <a:endParaRPr lang="de-DE" dirty="0" smtClean="0"/>
           </a:p>
           <a:p>
             <a:pPr lvl="1"/>
             <a:r>
               <a:rPr lang="de-DE" dirty="0" smtClean="0"/>
-              <a:t>Ziel: Regenbogen </a:t>
-            </a:r>
+              <a:t>Ziel: Regenbogen wieder aufbauen</a:t>
+            </a:r>
+          </a:p>
+          <a:p>
+            <a:pPr lvl="2"/>
             <a:r>
               <a:rPr lang="de-DE" dirty="0" smtClean="0"/>
-              <a:t>wieder aufbauen</a:t>
-            </a:r>
-          </a:p>
-          <a:p>
-            <a:pPr lvl="2"/>
-            <a:r>
-              <a:rPr lang="de-DE" dirty="0" smtClean="0"/>
-              <a:t>Dazu: Alle </a:t>
-            </a:r>
-            <a:r>
-              <a:rPr lang="de-DE" dirty="0" smtClean="0"/>
-              <a:t>Farben des Regenbogens aufsammeln</a:t>
+              <a:t>Dazu: Alle Farben des Regenbogens aufsammeln</a:t>
             </a:r>
           </a:p>
           <a:p>
@@ -7041,7 +7442,6 @@
               <a:rPr lang="de-DE" dirty="0" smtClean="0"/>
               <a:t>Grundlegend: Jump n Run</a:t>
             </a:r>
-            <a:endParaRPr lang="de-DE" dirty="0" smtClean="0"/>
           </a:p>
           <a:p>
             <a:pPr lvl="1"/>
@@ -7049,32 +7449,19 @@
               <a:rPr lang="de-DE" dirty="0" smtClean="0"/>
               <a:t>Figur kann sich färben</a:t>
             </a:r>
-            <a:endParaRPr lang="de-DE" dirty="0" smtClean="0"/>
           </a:p>
           <a:p>
             <a:pPr lvl="1"/>
             <a:r>
               <a:rPr lang="de-DE" dirty="0" smtClean="0"/>
-              <a:t>Besiegen von Gegnern </a:t>
-            </a:r>
+              <a:t>Besiegen von Gegnern mit Komplementärfarben</a:t>
+            </a:r>
+          </a:p>
+          <a:p>
+            <a:pPr lvl="1"/>
             <a:r>
               <a:rPr lang="de-DE" dirty="0" smtClean="0"/>
-              <a:t>mit Komplementärfarben</a:t>
-            </a:r>
-          </a:p>
-          <a:p>
-            <a:pPr lvl="1"/>
-            <a:r>
-              <a:rPr lang="de-DE" dirty="0" smtClean="0"/>
-              <a:t>Lichtbrechung, -absorption und -reflektion </a:t>
-            </a:r>
-            <a:r>
-              <a:rPr lang="de-DE" dirty="0" smtClean="0"/>
-              <a:t>mit </a:t>
-            </a:r>
-            <a:r>
-              <a:rPr lang="de-DE" dirty="0" smtClean="0"/>
-              <a:t>Prismen &amp; Wolken</a:t>
+              <a:t>Lichtbrechung, -absorption und -reflektion mit Prismen &amp; Wolken</a:t>
             </a:r>
           </a:p>
           <a:p>
@@ -7083,7 +7470,6 @@
               <a:rPr lang="de-DE" dirty="0" smtClean="0"/>
               <a:t>Zusätzlich: Wissensabfrage in Form von Quiz</a:t>
             </a:r>
-            <a:endParaRPr lang="de-DE" dirty="0" smtClean="0"/>
           </a:p>
           <a:p>
             <a:r>
@@ -7261,11 +7647,7 @@
           <a:p>
             <a:r>
               <a:rPr lang="de-DE" dirty="0" smtClean="0"/>
-              <a:t>Präsentation </a:t>
-            </a:r>
-            <a:r>
-              <a:rPr lang="de-DE" dirty="0" smtClean="0"/>
-              <a:t>Animationen</a:t>
+              <a:t>Präsentation Animationen</a:t>
             </a:r>
             <a:endParaRPr lang="de-DE" dirty="0"/>
           </a:p>
@@ -7428,11 +7810,7 @@
             <a:pPr lvl="1"/>
             <a:r>
               <a:rPr lang="de-DE" dirty="0" smtClean="0"/>
-              <a:t>Additive </a:t>
-            </a:r>
-            <a:r>
-              <a:rPr lang="de-DE" dirty="0" smtClean="0"/>
-              <a:t>Farbmischung</a:t>
+              <a:t>Additive Farbmischung</a:t>
             </a:r>
           </a:p>
           <a:p>
@@ -7448,7 +7826,6 @@
               <a:rPr lang="de-DE" dirty="0" smtClean="0"/>
               <a:t>Verhalten von Lichtfarben (Reflektion &amp; Absorption)</a:t>
             </a:r>
-            <a:endParaRPr lang="de-DE" dirty="0" smtClean="0"/>
           </a:p>
           <a:p>
             <a:pPr lvl="1"/>
@@ -7456,7 +7833,6 @@
               <a:rPr lang="de-DE" dirty="0" smtClean="0"/>
               <a:t>Komplementärfarben</a:t>
             </a:r>
-            <a:endParaRPr lang="de-DE" dirty="0" smtClean="0"/>
           </a:p>
           <a:p>
             <a:pPr lvl="1"/>
@@ -7464,7 +7840,6 @@
               <a:rPr lang="de-DE" dirty="0" smtClean="0"/>
               <a:t>Lichtbrechung</a:t>
             </a:r>
-            <a:endParaRPr lang="de-DE" dirty="0" smtClean="0"/>
           </a:p>
           <a:p>
             <a:endParaRPr lang="de-DE" dirty="0"/>
@@ -8059,7 +8434,7 @@
           <a:p>
             <a:r>
               <a:rPr lang="de-DE" dirty="0" smtClean="0"/>
-              <a:t>Präsentation: Spiel</a:t>
+              <a:t>Didaktische Strukturen</a:t>
             </a:r>
             <a:endParaRPr lang="de-DE" dirty="0"/>
           </a:p>
@@ -8077,17 +8452,131 @@
         </p:nvSpPr>
         <p:spPr/>
         <p:txBody>
-          <a:bodyPr/>
-          <a:lstStyle/>
-          <a:p>
-            <a:pPr marL="0" indent="0">
-              <a:buNone/>
-            </a:pPr>
-            <a:r>
-              <a:rPr lang="de-DE" i="1" dirty="0" smtClean="0"/>
-              <a:t>Stellvertretend: Level 1</a:t>
-            </a:r>
-            <a:endParaRPr lang="de-DE" i="1" dirty="0"/>
+          <a:bodyPr>
+            <a:normAutofit fontScale="92500" lnSpcReduction="10000"/>
+          </a:bodyPr>
+          <a:lstStyle/>
+          <a:p>
+            <a:r>
+              <a:rPr lang="de-DE" dirty="0" smtClean="0"/>
+              <a:t>Entdeckendes Lernen</a:t>
+            </a:r>
+          </a:p>
+          <a:p>
+            <a:pPr lvl="1"/>
+            <a:r>
+              <a:rPr lang="de-DE" dirty="0" smtClean="0"/>
+              <a:t>Spieler entscheidet, wie er weiter spielt</a:t>
+            </a:r>
+          </a:p>
+          <a:p>
+            <a:pPr lvl="2"/>
+            <a:r>
+              <a:rPr lang="de-DE" dirty="0" smtClean="0"/>
+              <a:t>Level wiederholen oder neues starten</a:t>
+            </a:r>
+          </a:p>
+          <a:p>
+            <a:pPr lvl="1"/>
+            <a:r>
+              <a:rPr lang="de-DE" dirty="0" smtClean="0"/>
+              <a:t>Jedes Level neue Erfahrungen</a:t>
+            </a:r>
+          </a:p>
+          <a:p>
+            <a:pPr lvl="2"/>
+            <a:r>
+              <a:rPr lang="de-DE" dirty="0" smtClean="0"/>
+              <a:t>Erkundung der Welt und wie diese funktioniert</a:t>
+            </a:r>
+          </a:p>
+          <a:p>
+            <a:pPr lvl="2"/>
+            <a:r>
+              <a:rPr lang="de-DE" dirty="0"/>
+              <a:t>Jedes Level gibt </a:t>
+            </a:r>
+            <a:r>
+              <a:rPr lang="de-DE" dirty="0" smtClean="0"/>
+              <a:t>die </a:t>
+            </a:r>
+            <a:r>
+              <a:rPr lang="de-DE" dirty="0"/>
+              <a:t>notwendigen Werkzeugen </a:t>
+            </a:r>
+            <a:endParaRPr lang="de-DE" dirty="0" smtClean="0"/>
+          </a:p>
+          <a:p>
+            <a:pPr lvl="2"/>
+            <a:r>
+              <a:rPr lang="de-DE" dirty="0" smtClean="0"/>
+              <a:t>Ausprobieren und Testen bis man es verstanden hat</a:t>
+            </a:r>
+          </a:p>
+          <a:p>
+            <a:r>
+              <a:rPr lang="de-DE" dirty="0" smtClean="0"/>
+              <a:t>logisch strukturiert</a:t>
+            </a:r>
+          </a:p>
+          <a:p>
+            <a:pPr lvl="1"/>
+            <a:r>
+              <a:rPr lang="de-DE" dirty="0" smtClean="0"/>
+              <a:t>Durch Weltkarte angedeutet</a:t>
+            </a:r>
+          </a:p>
+          <a:p>
+            <a:pPr lvl="2"/>
+            <a:r>
+              <a:rPr lang="de-DE" dirty="0" smtClean="0"/>
+              <a:t>Jedes Level mit neuem Thema</a:t>
+            </a:r>
+          </a:p>
+          <a:p>
+            <a:pPr lvl="2"/>
+            <a:r>
+              <a:rPr lang="de-DE" dirty="0" smtClean="0"/>
+              <a:t>Nach und nach komplexer aufgebaut</a:t>
+            </a:r>
+          </a:p>
+          <a:p>
+            <a:pPr lvl="3"/>
+            <a:r>
+              <a:rPr lang="de-DE" dirty="0" smtClean="0"/>
+              <a:t>Das Gelernte wird für die nächsten Level verwendet</a:t>
+            </a:r>
+          </a:p>
+          <a:p>
+            <a:pPr lvl="2"/>
+            <a:endParaRPr lang="de-DE" dirty="0" smtClean="0"/>
+          </a:p>
+          <a:p>
+            <a:pPr lvl="3"/>
+            <a:endParaRPr lang="de-DE" dirty="0" smtClean="0"/>
+          </a:p>
+        </p:txBody>
+      </p:sp>
+      <p:sp>
+        <p:nvSpPr>
+          <p:cNvPr id="4" name="Fußzeilenplatzhalter 3"/>
+          <p:cNvSpPr>
+            <a:spLocks noGrp="1"/>
+          </p:cNvSpPr>
+          <p:nvPr>
+            <p:ph type="ftr" sz="quarter" idx="11"/>
+          </p:nvPr>
+        </p:nvSpPr>
+        <p:spPr/>
+        <p:txBody>
+          <a:bodyPr/>
+          <a:lstStyle/>
+          <a:p>
+            <a:r>
+              <a:rPr lang="de-DE" smtClean="0"/>
+              <a:t>Medida 2015 - Gruppe 12 - Sausage Pan - Endpräsentation</a:t>
+            </a:r>
+            <a:endParaRPr lang="en-US" dirty="0"/>
           </a:p>
         </p:txBody>
       </p:sp>
@@ -8115,46 +8604,40 @@
           </a:p>
         </p:txBody>
       </p:sp>
-      <p:sp>
-        <p:nvSpPr>
-          <p:cNvPr id="6" name="Fußzeilenplatzhalter 5"/>
-          <p:cNvSpPr>
-            <a:spLocks noGrp="1"/>
-          </p:cNvSpPr>
-          <p:nvPr>
-            <p:ph type="ftr" sz="quarter" idx="11"/>
-          </p:nvPr>
-        </p:nvSpPr>
-        <p:spPr/>
-        <p:txBody>
-          <a:bodyPr/>
-          <a:lstStyle/>
-          <a:p>
-            <a:r>
-              <a:rPr lang="de-DE" smtClean="0"/>
-              <a:t>Medida 2015 - Gruppe 12 - Sausage Pan - Endpräsentation</a:t>
-            </a:r>
-            <a:endParaRPr lang="en-US" dirty="0"/>
-          </a:p>
-        </p:txBody>
-      </p:sp>
+      <p:pic>
+        <p:nvPicPr>
+          <p:cNvPr id="7" name="Grafik 6"/>
+          <p:cNvPicPr>
+            <a:picLocks noChangeAspect="1"/>
+          </p:cNvPicPr>
+          <p:nvPr/>
+        </p:nvPicPr>
+        <p:blipFill>
+          <a:blip r:embed="rId2"/>
+          <a:stretch>
+            <a:fillRect/>
+          </a:stretch>
+        </p:blipFill>
+        <p:spPr>
+          <a:xfrm>
+            <a:off x="6095770" y="2160589"/>
+            <a:ext cx="5303980" cy="3310415"/>
+          </a:xfrm>
+          <a:prstGeom prst="rect">
+            <a:avLst/>
+          </a:prstGeom>
+        </p:spPr>
+      </p:pic>
     </p:spTree>
     <p:extLst>
       <p:ext uri="{BB962C8B-B14F-4D97-AF65-F5344CB8AC3E}">
-        <p14:creationId xmlns:p14="http://schemas.microsoft.com/office/powerpoint/2010/main" val="3193696303"/>
+        <p14:creationId xmlns:p14="http://schemas.microsoft.com/office/powerpoint/2010/main" val="964035303"/>
       </p:ext>
     </p:extLst>
   </p:cSld>
   <p:clrMapOvr>
     <a:masterClrMapping/>
   </p:clrMapOvr>
-  <p:timing>
-    <p:tnLst>
-      <p:par>
-        <p:cTn id="1" dur="indefinite" restart="never" nodeType="tmRoot"/>
-      </p:par>
-    </p:tnLst>
-  </p:timing>
 </p:sld>
 </file>
 
